--- a/AnalysisSW/01.Manual/사용한ppt/analy메뉴.pptx
+++ b/AnalysisSW/01.Manual/사용한ppt/analy메뉴.pptx
@@ -260,7 +260,7 @@
           <a:p>
             <a:fld id="{CC0E6473-7331-49BB-A22F-9F3ADA6997B2}" type="datetimeFigureOut">
               <a:rPr lang="ko-KR" altLang="en-US" smtClean="0"/>
-              <a:t>2022-06-23</a:t>
+              <a:t>2022-06-24</a:t>
             </a:fld>
             <a:endParaRPr lang="ko-KR" altLang="en-US"/>
           </a:p>
@@ -458,7 +458,7 @@
           <a:p>
             <a:fld id="{CC0E6473-7331-49BB-A22F-9F3ADA6997B2}" type="datetimeFigureOut">
               <a:rPr lang="ko-KR" altLang="en-US" smtClean="0"/>
-              <a:t>2022-06-23</a:t>
+              <a:t>2022-06-24</a:t>
             </a:fld>
             <a:endParaRPr lang="ko-KR" altLang="en-US"/>
           </a:p>
@@ -666,7 +666,7 @@
           <a:p>
             <a:fld id="{CC0E6473-7331-49BB-A22F-9F3ADA6997B2}" type="datetimeFigureOut">
               <a:rPr lang="ko-KR" altLang="en-US" smtClean="0"/>
-              <a:t>2022-06-23</a:t>
+              <a:t>2022-06-24</a:t>
             </a:fld>
             <a:endParaRPr lang="ko-KR" altLang="en-US"/>
           </a:p>
@@ -864,7 +864,7 @@
           <a:p>
             <a:fld id="{CC0E6473-7331-49BB-A22F-9F3ADA6997B2}" type="datetimeFigureOut">
               <a:rPr lang="ko-KR" altLang="en-US" smtClean="0"/>
-              <a:t>2022-06-23</a:t>
+              <a:t>2022-06-24</a:t>
             </a:fld>
             <a:endParaRPr lang="ko-KR" altLang="en-US"/>
           </a:p>
@@ -1139,7 +1139,7 @@
           <a:p>
             <a:fld id="{CC0E6473-7331-49BB-A22F-9F3ADA6997B2}" type="datetimeFigureOut">
               <a:rPr lang="ko-KR" altLang="en-US" smtClean="0"/>
-              <a:t>2022-06-23</a:t>
+              <a:t>2022-06-24</a:t>
             </a:fld>
             <a:endParaRPr lang="ko-KR" altLang="en-US"/>
           </a:p>
@@ -1404,7 +1404,7 @@
           <a:p>
             <a:fld id="{CC0E6473-7331-49BB-A22F-9F3ADA6997B2}" type="datetimeFigureOut">
               <a:rPr lang="ko-KR" altLang="en-US" smtClean="0"/>
-              <a:t>2022-06-23</a:t>
+              <a:t>2022-06-24</a:t>
             </a:fld>
             <a:endParaRPr lang="ko-KR" altLang="en-US"/>
           </a:p>
@@ -1816,7 +1816,7 @@
           <a:p>
             <a:fld id="{CC0E6473-7331-49BB-A22F-9F3ADA6997B2}" type="datetimeFigureOut">
               <a:rPr lang="ko-KR" altLang="en-US" smtClean="0"/>
-              <a:t>2022-06-23</a:t>
+              <a:t>2022-06-24</a:t>
             </a:fld>
             <a:endParaRPr lang="ko-KR" altLang="en-US"/>
           </a:p>
@@ -1957,7 +1957,7 @@
           <a:p>
             <a:fld id="{CC0E6473-7331-49BB-A22F-9F3ADA6997B2}" type="datetimeFigureOut">
               <a:rPr lang="ko-KR" altLang="en-US" smtClean="0"/>
-              <a:t>2022-06-23</a:t>
+              <a:t>2022-06-24</a:t>
             </a:fld>
             <a:endParaRPr lang="ko-KR" altLang="en-US"/>
           </a:p>
@@ -2070,7 +2070,7 @@
           <a:p>
             <a:fld id="{CC0E6473-7331-49BB-A22F-9F3ADA6997B2}" type="datetimeFigureOut">
               <a:rPr lang="ko-KR" altLang="en-US" smtClean="0"/>
-              <a:t>2022-06-23</a:t>
+              <a:t>2022-06-24</a:t>
             </a:fld>
             <a:endParaRPr lang="ko-KR" altLang="en-US"/>
           </a:p>
@@ -2381,7 +2381,7 @@
           <a:p>
             <a:fld id="{CC0E6473-7331-49BB-A22F-9F3ADA6997B2}" type="datetimeFigureOut">
               <a:rPr lang="ko-KR" altLang="en-US" smtClean="0"/>
-              <a:t>2022-06-23</a:t>
+              <a:t>2022-06-24</a:t>
             </a:fld>
             <a:endParaRPr lang="ko-KR" altLang="en-US"/>
           </a:p>
@@ -2669,7 +2669,7 @@
           <a:p>
             <a:fld id="{CC0E6473-7331-49BB-A22F-9F3ADA6997B2}" type="datetimeFigureOut">
               <a:rPr lang="ko-KR" altLang="en-US" smtClean="0"/>
-              <a:t>2022-06-23</a:t>
+              <a:t>2022-06-24</a:t>
             </a:fld>
             <a:endParaRPr lang="ko-KR" altLang="en-US"/>
           </a:p>
@@ -2910,7 +2910,7 @@
           <a:p>
             <a:fld id="{CC0E6473-7331-49BB-A22F-9F3ADA6997B2}" type="datetimeFigureOut">
               <a:rPr lang="ko-KR" altLang="en-US" smtClean="0"/>
-              <a:t>2022-06-23</a:t>
+              <a:t>2022-06-24</a:t>
             </a:fld>
             <a:endParaRPr lang="ko-KR" altLang="en-US"/>
           </a:p>
@@ -4313,10 +4313,10 @@
       </p:pic>
       <p:sp>
         <p:nvSpPr>
-          <p:cNvPr id="2" name="TextBox 1">
-            <a:extLst>
-              <a:ext uri="{FF2B5EF4-FFF2-40B4-BE49-F238E27FC236}">
-                <a16:creationId xmlns:a16="http://schemas.microsoft.com/office/drawing/2014/main" id="{EB1C9D74-9383-B85D-AA40-268CC5D5E48F}"/>
+          <p:cNvPr id="21" name="TextBox 20">
+            <a:extLst>
+              <a:ext uri="{FF2B5EF4-FFF2-40B4-BE49-F238E27FC236}">
+                <a16:creationId xmlns:a16="http://schemas.microsoft.com/office/drawing/2014/main" id="{B319A13D-ECC7-5EB1-8DD7-8A879AC656CA}"/>
               </a:ext>
             </a:extLst>
           </p:cNvPr>
@@ -4325,8 +4325,8 @@
         </p:nvSpPr>
         <p:spPr>
           <a:xfrm>
-            <a:off x="4504267" y="1092199"/>
-            <a:ext cx="914400" cy="369332"/>
+            <a:off x="1439333" y="1032933"/>
+            <a:ext cx="914400" cy="1477328"/>
           </a:xfrm>
           <a:prstGeom prst="rect">
             <a:avLst/>
@@ -4345,46 +4345,7 @@
                   <a:srgbClr val="FF0000"/>
                 </a:solidFill>
               </a:rPr>
-              <a:t>①</a:t>
-            </a:r>
-          </a:p>
-        </p:txBody>
-      </p:sp>
-      <p:sp>
-        <p:nvSpPr>
-          <p:cNvPr id="21" name="TextBox 20">
-            <a:extLst>
-              <a:ext uri="{FF2B5EF4-FFF2-40B4-BE49-F238E27FC236}">
-                <a16:creationId xmlns:a16="http://schemas.microsoft.com/office/drawing/2014/main" id="{B319A13D-ECC7-5EB1-8DD7-8A879AC656CA}"/>
-              </a:ext>
-            </a:extLst>
-          </p:cNvPr>
-          <p:cNvSpPr txBox="1"/>
-          <p:nvPr/>
-        </p:nvSpPr>
-        <p:spPr>
-          <a:xfrm>
-            <a:off x="1439333" y="1032933"/>
-            <a:ext cx="914400" cy="1477328"/>
-          </a:xfrm>
-          <a:prstGeom prst="rect">
-            <a:avLst/>
-          </a:prstGeom>
-          <a:noFill/>
-        </p:spPr>
-        <p:txBody>
-          <a:bodyPr wrap="square" rtlCol="0">
-            <a:spAutoFit/>
-          </a:bodyPr>
-          <a:lstStyle/>
-          <a:p>
-            <a:r>
-              <a:rPr lang="ko-KR" altLang="en-US" b="1" dirty="0">
-                <a:solidFill>
-                  <a:srgbClr val="FF0000"/>
-                </a:solidFill>
-              </a:rPr>
-              <a:t>①②④⑤⑥⑦③⑧⑨⑩⑪⑫⑬</a:t>
+              <a:t>①②④⑤⑥⑦③⑧⑨⑩⑪⑫⑬⑭</a:t>
             </a:r>
             <a:r>
               <a:rPr lang="ko-KR" altLang="en-US" b="1" dirty="0" err="1">
@@ -4416,7 +4377,7 @@
         </p:nvSpPr>
         <p:spPr>
           <a:xfrm>
-            <a:off x="7112001" y="1437578"/>
+            <a:off x="7112001" y="1632312"/>
             <a:ext cx="528984" cy="923330"/>
           </a:xfrm>
           <a:prstGeom prst="rect">
@@ -4741,10 +4702,10 @@
       </p:sp>
       <p:sp>
         <p:nvSpPr>
-          <p:cNvPr id="36" name="직사각형 35">
-            <a:extLst>
-              <a:ext uri="{FF2B5EF4-FFF2-40B4-BE49-F238E27FC236}">
-                <a16:creationId xmlns:a16="http://schemas.microsoft.com/office/drawing/2014/main" id="{E777813E-8870-B11A-1D3A-D7EBA6483E2E}"/>
+          <p:cNvPr id="37" name="직사각형 36">
+            <a:extLst>
+              <a:ext uri="{FF2B5EF4-FFF2-40B4-BE49-F238E27FC236}">
+                <a16:creationId xmlns:a16="http://schemas.microsoft.com/office/drawing/2014/main" id="{04C80288-E2AC-F4CD-4BE8-04E105862186}"/>
               </a:ext>
             </a:extLst>
           </p:cNvPr>
@@ -4753,7 +4714,7 @@
         </p:nvSpPr>
         <p:spPr>
           <a:xfrm>
-            <a:off x="5272114" y="1496162"/>
+            <a:off x="5280581" y="1953642"/>
             <a:ext cx="1958419" cy="444606"/>
           </a:xfrm>
           <a:prstGeom prst="rect">
@@ -4793,10 +4754,10 @@
       </p:sp>
       <p:sp>
         <p:nvSpPr>
-          <p:cNvPr id="37" name="직사각형 36">
-            <a:extLst>
-              <a:ext uri="{FF2B5EF4-FFF2-40B4-BE49-F238E27FC236}">
-                <a16:creationId xmlns:a16="http://schemas.microsoft.com/office/drawing/2014/main" id="{04C80288-E2AC-F4CD-4BE8-04E105862186}"/>
+          <p:cNvPr id="38" name="직사각형 37">
+            <a:extLst>
+              <a:ext uri="{FF2B5EF4-FFF2-40B4-BE49-F238E27FC236}">
+                <a16:creationId xmlns:a16="http://schemas.microsoft.com/office/drawing/2014/main" id="{C32FE5B3-9087-ADA2-51F2-E68345B37F2C}"/>
               </a:ext>
             </a:extLst>
           </p:cNvPr>
@@ -4805,8 +4766,8 @@
         </p:nvSpPr>
         <p:spPr>
           <a:xfrm>
-            <a:off x="5280581" y="1953642"/>
-            <a:ext cx="1958419" cy="444606"/>
+            <a:off x="3741539" y="1651000"/>
+            <a:ext cx="1321530" cy="1390133"/>
           </a:xfrm>
           <a:prstGeom prst="rect">
             <a:avLst/>
@@ -4845,10 +4806,10 @@
       </p:sp>
       <p:sp>
         <p:nvSpPr>
-          <p:cNvPr id="38" name="직사각형 37">
-            <a:extLst>
-              <a:ext uri="{FF2B5EF4-FFF2-40B4-BE49-F238E27FC236}">
-                <a16:creationId xmlns:a16="http://schemas.microsoft.com/office/drawing/2014/main" id="{C32FE5B3-9087-ADA2-51F2-E68345B37F2C}"/>
+          <p:cNvPr id="39" name="직사각형 38">
+            <a:extLst>
+              <a:ext uri="{FF2B5EF4-FFF2-40B4-BE49-F238E27FC236}">
+                <a16:creationId xmlns:a16="http://schemas.microsoft.com/office/drawing/2014/main" id="{AF9769A9-DEAB-4BFD-9185-958A14688771}"/>
               </a:ext>
             </a:extLst>
           </p:cNvPr>
@@ -4857,8 +4818,8 @@
         </p:nvSpPr>
         <p:spPr>
           <a:xfrm>
-            <a:off x="3741539" y="1581172"/>
-            <a:ext cx="1321530" cy="1459961"/>
+            <a:off x="5297287" y="2439630"/>
+            <a:ext cx="1933246" cy="185965"/>
           </a:xfrm>
           <a:prstGeom prst="rect">
             <a:avLst/>
@@ -4897,10 +4858,10 @@
       </p:sp>
       <p:sp>
         <p:nvSpPr>
-          <p:cNvPr id="39" name="직사각형 38">
-            <a:extLst>
-              <a:ext uri="{FF2B5EF4-FFF2-40B4-BE49-F238E27FC236}">
-                <a16:creationId xmlns:a16="http://schemas.microsoft.com/office/drawing/2014/main" id="{AF9769A9-DEAB-4BFD-9185-958A14688771}"/>
+          <p:cNvPr id="40" name="직사각형 39">
+            <a:extLst>
+              <a:ext uri="{FF2B5EF4-FFF2-40B4-BE49-F238E27FC236}">
+                <a16:creationId xmlns:a16="http://schemas.microsoft.com/office/drawing/2014/main" id="{F277CC3F-F255-B222-61D9-E10DA89B5EE2}"/>
               </a:ext>
             </a:extLst>
           </p:cNvPr>
@@ -4909,8 +4870,8 @@
         </p:nvSpPr>
         <p:spPr>
           <a:xfrm>
-            <a:off x="5297287" y="2439630"/>
-            <a:ext cx="1933246" cy="185965"/>
+            <a:off x="3798239" y="3490917"/>
+            <a:ext cx="2407828" cy="390799"/>
           </a:xfrm>
           <a:prstGeom prst="rect">
             <a:avLst/>
@@ -4949,10 +4910,130 @@
       </p:sp>
       <p:sp>
         <p:nvSpPr>
-          <p:cNvPr id="40" name="직사각형 39">
-            <a:extLst>
-              <a:ext uri="{FF2B5EF4-FFF2-40B4-BE49-F238E27FC236}">
-                <a16:creationId xmlns:a16="http://schemas.microsoft.com/office/drawing/2014/main" id="{F277CC3F-F255-B222-61D9-E10DA89B5EE2}"/>
+          <p:cNvPr id="41" name="TextBox 40">
+            <a:extLst>
+              <a:ext uri="{FF2B5EF4-FFF2-40B4-BE49-F238E27FC236}">
+                <a16:creationId xmlns:a16="http://schemas.microsoft.com/office/drawing/2014/main" id="{0302A178-52DA-C8D2-5CE5-BB2BBE09ACB1}"/>
+              </a:ext>
+            </a:extLst>
+          </p:cNvPr>
+          <p:cNvSpPr txBox="1"/>
+          <p:nvPr/>
+        </p:nvSpPr>
+        <p:spPr>
+          <a:xfrm>
+            <a:off x="7045486" y="3394801"/>
+            <a:ext cx="632883" cy="369332"/>
+          </a:xfrm>
+          <a:prstGeom prst="rect">
+            <a:avLst/>
+          </a:prstGeom>
+          <a:noFill/>
+        </p:spPr>
+        <p:txBody>
+          <a:bodyPr wrap="square">
+            <a:spAutoFit/>
+          </a:bodyPr>
+          <a:lstStyle/>
+          <a:p>
+            <a:r>
+              <a:rPr lang="ko-KR" altLang="en-US" b="1" dirty="0">
+                <a:solidFill>
+                  <a:srgbClr val="FF0000"/>
+                </a:solidFill>
+              </a:rPr>
+              <a:t>⑪</a:t>
+            </a:r>
+            <a:endParaRPr lang="ko-KR" altLang="en-US" dirty="0"/>
+          </a:p>
+        </p:txBody>
+      </p:sp>
+      <p:sp>
+        <p:nvSpPr>
+          <p:cNvPr id="43" name="TextBox 42">
+            <a:extLst>
+              <a:ext uri="{FF2B5EF4-FFF2-40B4-BE49-F238E27FC236}">
+                <a16:creationId xmlns:a16="http://schemas.microsoft.com/office/drawing/2014/main" id="{26D88A87-6BF1-ACAD-C0AD-D24764A83186}"/>
+              </a:ext>
+            </a:extLst>
+          </p:cNvPr>
+          <p:cNvSpPr txBox="1"/>
+          <p:nvPr/>
+        </p:nvSpPr>
+        <p:spPr>
+          <a:xfrm>
+            <a:off x="7388559" y="3730752"/>
+            <a:ext cx="447506" cy="369332"/>
+          </a:xfrm>
+          <a:prstGeom prst="rect">
+            <a:avLst/>
+          </a:prstGeom>
+          <a:noFill/>
+        </p:spPr>
+        <p:txBody>
+          <a:bodyPr wrap="square">
+            <a:spAutoFit/>
+          </a:bodyPr>
+          <a:lstStyle/>
+          <a:p>
+            <a:r>
+              <a:rPr lang="ko-KR" altLang="en-US" b="1" dirty="0">
+                <a:solidFill>
+                  <a:srgbClr val="FF0000"/>
+                </a:solidFill>
+              </a:rPr>
+              <a:t>⑫</a:t>
+            </a:r>
+            <a:endParaRPr lang="ko-KR" altLang="en-US" dirty="0"/>
+          </a:p>
+        </p:txBody>
+      </p:sp>
+      <p:sp>
+        <p:nvSpPr>
+          <p:cNvPr id="45" name="TextBox 44">
+            <a:extLst>
+              <a:ext uri="{FF2B5EF4-FFF2-40B4-BE49-F238E27FC236}">
+                <a16:creationId xmlns:a16="http://schemas.microsoft.com/office/drawing/2014/main" id="{0C252CD4-F493-8303-E47B-362CB36C348C}"/>
+              </a:ext>
+            </a:extLst>
+          </p:cNvPr>
+          <p:cNvSpPr txBox="1"/>
+          <p:nvPr/>
+        </p:nvSpPr>
+        <p:spPr>
+          <a:xfrm>
+            <a:off x="3753788" y="5209007"/>
+            <a:ext cx="4150012" cy="369332"/>
+          </a:xfrm>
+          <a:prstGeom prst="rect">
+            <a:avLst/>
+          </a:prstGeom>
+          <a:noFill/>
+        </p:spPr>
+        <p:txBody>
+          <a:bodyPr wrap="square">
+            <a:spAutoFit/>
+          </a:bodyPr>
+          <a:lstStyle/>
+          <a:p>
+            <a:r>
+              <a:rPr lang="ko-KR" altLang="en-US" b="1" dirty="0">
+                <a:solidFill>
+                  <a:srgbClr val="FF0000"/>
+                </a:solidFill>
+              </a:rPr>
+              <a:t>⑬</a:t>
+            </a:r>
+            <a:endParaRPr lang="ko-KR" altLang="en-US" dirty="0"/>
+          </a:p>
+        </p:txBody>
+      </p:sp>
+      <p:sp>
+        <p:nvSpPr>
+          <p:cNvPr id="46" name="직사각형 45">
+            <a:extLst>
+              <a:ext uri="{FF2B5EF4-FFF2-40B4-BE49-F238E27FC236}">
+                <a16:creationId xmlns:a16="http://schemas.microsoft.com/office/drawing/2014/main" id="{8B8B181F-02B0-FB22-2BC7-32F8FCE36114}"/>
               </a:ext>
             </a:extLst>
           </p:cNvPr>
@@ -4961,8 +5042,8 @@
         </p:nvSpPr>
         <p:spPr>
           <a:xfrm>
-            <a:off x="3798239" y="3490917"/>
-            <a:ext cx="2407828" cy="390799"/>
+            <a:off x="3788331" y="4055942"/>
+            <a:ext cx="3890038" cy="1441393"/>
           </a:xfrm>
           <a:prstGeom prst="rect">
             <a:avLst/>
@@ -4999,132 +5080,42 @@
           </a:p>
         </p:txBody>
       </p:sp>
-      <p:sp>
-        <p:nvSpPr>
-          <p:cNvPr id="41" name="TextBox 40">
-            <a:extLst>
-              <a:ext uri="{FF2B5EF4-FFF2-40B4-BE49-F238E27FC236}">
-                <a16:creationId xmlns:a16="http://schemas.microsoft.com/office/drawing/2014/main" id="{0302A178-52DA-C8D2-5CE5-BB2BBE09ACB1}"/>
-              </a:ext>
-            </a:extLst>
-          </p:cNvPr>
-          <p:cNvSpPr txBox="1"/>
+      <p:pic>
+        <p:nvPicPr>
+          <p:cNvPr id="6" name="그림 5">
+            <a:extLst>
+              <a:ext uri="{FF2B5EF4-FFF2-40B4-BE49-F238E27FC236}">
+                <a16:creationId xmlns:a16="http://schemas.microsoft.com/office/drawing/2014/main" id="{42981C21-5A46-D4CD-349A-79BFAE97FDBC}"/>
+              </a:ext>
+            </a:extLst>
+          </p:cNvPr>
+          <p:cNvPicPr>
+            <a:picLocks noChangeAspect="1"/>
+          </p:cNvPicPr>
           <p:nvPr/>
-        </p:nvSpPr>
-        <p:spPr>
-          <a:xfrm>
-            <a:off x="7045486" y="3394801"/>
-            <a:ext cx="632883" cy="369332"/>
+        </p:nvPicPr>
+        <p:blipFill>
+          <a:blip r:embed="rId3"/>
+          <a:stretch>
+            <a:fillRect/>
+          </a:stretch>
+        </p:blipFill>
+        <p:spPr>
+          <a:xfrm>
+            <a:off x="3748295" y="1195275"/>
+            <a:ext cx="3892689" cy="413509"/>
           </a:xfrm>
           <a:prstGeom prst="rect">
             <a:avLst/>
           </a:prstGeom>
-          <a:noFill/>
-        </p:spPr>
-        <p:txBody>
-          <a:bodyPr wrap="square">
-            <a:spAutoFit/>
-          </a:bodyPr>
-          <a:lstStyle/>
-          <a:p>
-            <a:r>
-              <a:rPr lang="ko-KR" altLang="en-US" b="1" dirty="0">
-                <a:solidFill>
-                  <a:srgbClr val="FF0000"/>
-                </a:solidFill>
-              </a:rPr>
-              <a:t>⑪</a:t>
-            </a:r>
-            <a:endParaRPr lang="ko-KR" altLang="en-US" dirty="0"/>
-          </a:p>
-        </p:txBody>
-      </p:sp>
-      <p:sp>
-        <p:nvSpPr>
-          <p:cNvPr id="43" name="TextBox 42">
-            <a:extLst>
-              <a:ext uri="{FF2B5EF4-FFF2-40B4-BE49-F238E27FC236}">
-                <a16:creationId xmlns:a16="http://schemas.microsoft.com/office/drawing/2014/main" id="{26D88A87-6BF1-ACAD-C0AD-D24764A83186}"/>
-              </a:ext>
-            </a:extLst>
-          </p:cNvPr>
-          <p:cNvSpPr txBox="1"/>
-          <p:nvPr/>
-        </p:nvSpPr>
-        <p:spPr>
-          <a:xfrm>
-            <a:off x="7388559" y="3730752"/>
-            <a:ext cx="447506" cy="369332"/>
-          </a:xfrm>
-          <a:prstGeom prst="rect">
-            <a:avLst/>
-          </a:prstGeom>
-          <a:noFill/>
-        </p:spPr>
-        <p:txBody>
-          <a:bodyPr wrap="square">
-            <a:spAutoFit/>
-          </a:bodyPr>
-          <a:lstStyle/>
-          <a:p>
-            <a:r>
-              <a:rPr lang="ko-KR" altLang="en-US" b="1" dirty="0">
-                <a:solidFill>
-                  <a:srgbClr val="FF0000"/>
-                </a:solidFill>
-              </a:rPr>
-              <a:t>⑫</a:t>
-            </a:r>
-            <a:endParaRPr lang="ko-KR" altLang="en-US" dirty="0"/>
-          </a:p>
-        </p:txBody>
-      </p:sp>
-      <p:sp>
-        <p:nvSpPr>
-          <p:cNvPr id="45" name="TextBox 44">
-            <a:extLst>
-              <a:ext uri="{FF2B5EF4-FFF2-40B4-BE49-F238E27FC236}">
-                <a16:creationId xmlns:a16="http://schemas.microsoft.com/office/drawing/2014/main" id="{0C252CD4-F493-8303-E47B-362CB36C348C}"/>
-              </a:ext>
-            </a:extLst>
-          </p:cNvPr>
-          <p:cNvSpPr txBox="1"/>
-          <p:nvPr/>
-        </p:nvSpPr>
-        <p:spPr>
-          <a:xfrm>
-            <a:off x="3753788" y="5209007"/>
-            <a:ext cx="4150012" cy="369332"/>
-          </a:xfrm>
-          <a:prstGeom prst="rect">
-            <a:avLst/>
-          </a:prstGeom>
-          <a:noFill/>
-        </p:spPr>
-        <p:txBody>
-          <a:bodyPr wrap="square">
-            <a:spAutoFit/>
-          </a:bodyPr>
-          <a:lstStyle/>
-          <a:p>
-            <a:r>
-              <a:rPr lang="ko-KR" altLang="en-US" b="1" dirty="0">
-                <a:solidFill>
-                  <a:srgbClr val="FF0000"/>
-                </a:solidFill>
-              </a:rPr>
-              <a:t>⑬</a:t>
-            </a:r>
-            <a:endParaRPr lang="ko-KR" altLang="en-US" dirty="0"/>
-          </a:p>
-        </p:txBody>
-      </p:sp>
-      <p:sp>
-        <p:nvSpPr>
-          <p:cNvPr id="46" name="직사각형 45">
-            <a:extLst>
-              <a:ext uri="{FF2B5EF4-FFF2-40B4-BE49-F238E27FC236}">
-                <a16:creationId xmlns:a16="http://schemas.microsoft.com/office/drawing/2014/main" id="{8B8B181F-02B0-FB22-2BC7-32F8FCE36114}"/>
+        </p:spPr>
+      </p:pic>
+      <p:sp>
+        <p:nvSpPr>
+          <p:cNvPr id="36" name="직사각형 35">
+            <a:extLst>
+              <a:ext uri="{FF2B5EF4-FFF2-40B4-BE49-F238E27FC236}">
+                <a16:creationId xmlns:a16="http://schemas.microsoft.com/office/drawing/2014/main" id="{E777813E-8870-B11A-1D3A-D7EBA6483E2E}"/>
               </a:ext>
             </a:extLst>
           </p:cNvPr>
@@ -5133,8 +5124,8 @@
         </p:nvSpPr>
         <p:spPr>
           <a:xfrm>
-            <a:off x="3788331" y="4055942"/>
-            <a:ext cx="3890038" cy="1441393"/>
+            <a:off x="5272114" y="1587222"/>
+            <a:ext cx="1958419" cy="353545"/>
           </a:xfrm>
           <a:prstGeom prst="rect">
             <a:avLst/>
@@ -5168,6 +5159,85 @@
           <a:p>
             <a:pPr algn="ctr"/>
             <a:endParaRPr lang="ko-KR" altLang="en-US"/>
+          </a:p>
+        </p:txBody>
+      </p:sp>
+      <p:sp>
+        <p:nvSpPr>
+          <p:cNvPr id="2" name="TextBox 1">
+            <a:extLst>
+              <a:ext uri="{FF2B5EF4-FFF2-40B4-BE49-F238E27FC236}">
+                <a16:creationId xmlns:a16="http://schemas.microsoft.com/office/drawing/2014/main" id="{EB1C9D74-9383-B85D-AA40-268CC5D5E48F}"/>
+              </a:ext>
+            </a:extLst>
+          </p:cNvPr>
+          <p:cNvSpPr txBox="1"/>
+          <p:nvPr/>
+        </p:nvSpPr>
+        <p:spPr>
+          <a:xfrm>
+            <a:off x="4718340" y="1255982"/>
+            <a:ext cx="914400" cy="369332"/>
+          </a:xfrm>
+          <a:prstGeom prst="rect">
+            <a:avLst/>
+          </a:prstGeom>
+          <a:noFill/>
+        </p:spPr>
+        <p:txBody>
+          <a:bodyPr wrap="square" rtlCol="0">
+            <a:spAutoFit/>
+          </a:bodyPr>
+          <a:lstStyle/>
+          <a:p>
+            <a:r>
+              <a:rPr lang="ko-KR" altLang="en-US" b="1" dirty="0">
+                <a:solidFill>
+                  <a:srgbClr val="FF0000"/>
+                </a:solidFill>
+              </a:rPr>
+              <a:t>①</a:t>
+            </a:r>
+          </a:p>
+        </p:txBody>
+      </p:sp>
+      <p:sp>
+        <p:nvSpPr>
+          <p:cNvPr id="27" name="TextBox 26">
+            <a:extLst>
+              <a:ext uri="{FF2B5EF4-FFF2-40B4-BE49-F238E27FC236}">
+                <a16:creationId xmlns:a16="http://schemas.microsoft.com/office/drawing/2014/main" id="{52A454B0-5B8C-627E-4EE0-B687778BADD2}"/>
+              </a:ext>
+            </a:extLst>
+          </p:cNvPr>
+          <p:cNvSpPr txBox="1"/>
+          <p:nvPr/>
+        </p:nvSpPr>
+        <p:spPr>
+          <a:xfrm>
+            <a:off x="5990241" y="1151597"/>
+            <a:ext cx="565549" cy="369332"/>
+          </a:xfrm>
+          <a:prstGeom prst="rect">
+            <a:avLst/>
+          </a:prstGeom>
+          <a:noFill/>
+        </p:spPr>
+        <p:txBody>
+          <a:bodyPr wrap="square">
+            <a:spAutoFit/>
+          </a:bodyPr>
+          <a:lstStyle/>
+          <a:p>
+            <a:r>
+              <a:rPr lang="ko-KR" altLang="en-US" b="1" dirty="0">
+                <a:solidFill>
+                  <a:srgbClr val="FF0000"/>
+                </a:solidFill>
+              </a:rPr>
+              <a:t>⑭</a:t>
+            </a:r>
+            <a:endParaRPr lang="ko-KR" altLang="en-US" dirty="0"/>
           </a:p>
         </p:txBody>
       </p:sp>

--- a/AnalysisSW/01.Manual/사용한ppt/analy메뉴.pptx
+++ b/AnalysisSW/01.Manual/사용한ppt/analy메뉴.pptx
@@ -260,7 +260,7 @@
           <a:p>
             <a:fld id="{CC0E6473-7331-49BB-A22F-9F3ADA6997B2}" type="datetimeFigureOut">
               <a:rPr lang="ko-KR" altLang="en-US" smtClean="0"/>
-              <a:t>2022-06-24</a:t>
+              <a:t>2022-07-05</a:t>
             </a:fld>
             <a:endParaRPr lang="ko-KR" altLang="en-US"/>
           </a:p>
@@ -458,7 +458,7 @@
           <a:p>
             <a:fld id="{CC0E6473-7331-49BB-A22F-9F3ADA6997B2}" type="datetimeFigureOut">
               <a:rPr lang="ko-KR" altLang="en-US" smtClean="0"/>
-              <a:t>2022-06-24</a:t>
+              <a:t>2022-07-05</a:t>
             </a:fld>
             <a:endParaRPr lang="ko-KR" altLang="en-US"/>
           </a:p>
@@ -666,7 +666,7 @@
           <a:p>
             <a:fld id="{CC0E6473-7331-49BB-A22F-9F3ADA6997B2}" type="datetimeFigureOut">
               <a:rPr lang="ko-KR" altLang="en-US" smtClean="0"/>
-              <a:t>2022-06-24</a:t>
+              <a:t>2022-07-05</a:t>
             </a:fld>
             <a:endParaRPr lang="ko-KR" altLang="en-US"/>
           </a:p>
@@ -864,7 +864,7 @@
           <a:p>
             <a:fld id="{CC0E6473-7331-49BB-A22F-9F3ADA6997B2}" type="datetimeFigureOut">
               <a:rPr lang="ko-KR" altLang="en-US" smtClean="0"/>
-              <a:t>2022-06-24</a:t>
+              <a:t>2022-07-05</a:t>
             </a:fld>
             <a:endParaRPr lang="ko-KR" altLang="en-US"/>
           </a:p>
@@ -1139,7 +1139,7 @@
           <a:p>
             <a:fld id="{CC0E6473-7331-49BB-A22F-9F3ADA6997B2}" type="datetimeFigureOut">
               <a:rPr lang="ko-KR" altLang="en-US" smtClean="0"/>
-              <a:t>2022-06-24</a:t>
+              <a:t>2022-07-05</a:t>
             </a:fld>
             <a:endParaRPr lang="ko-KR" altLang="en-US"/>
           </a:p>
@@ -1404,7 +1404,7 @@
           <a:p>
             <a:fld id="{CC0E6473-7331-49BB-A22F-9F3ADA6997B2}" type="datetimeFigureOut">
               <a:rPr lang="ko-KR" altLang="en-US" smtClean="0"/>
-              <a:t>2022-06-24</a:t>
+              <a:t>2022-07-05</a:t>
             </a:fld>
             <a:endParaRPr lang="ko-KR" altLang="en-US"/>
           </a:p>
@@ -1816,7 +1816,7 @@
           <a:p>
             <a:fld id="{CC0E6473-7331-49BB-A22F-9F3ADA6997B2}" type="datetimeFigureOut">
               <a:rPr lang="ko-KR" altLang="en-US" smtClean="0"/>
-              <a:t>2022-06-24</a:t>
+              <a:t>2022-07-05</a:t>
             </a:fld>
             <a:endParaRPr lang="ko-KR" altLang="en-US"/>
           </a:p>
@@ -1957,7 +1957,7 @@
           <a:p>
             <a:fld id="{CC0E6473-7331-49BB-A22F-9F3ADA6997B2}" type="datetimeFigureOut">
               <a:rPr lang="ko-KR" altLang="en-US" smtClean="0"/>
-              <a:t>2022-06-24</a:t>
+              <a:t>2022-07-05</a:t>
             </a:fld>
             <a:endParaRPr lang="ko-KR" altLang="en-US"/>
           </a:p>
@@ -2070,7 +2070,7 @@
           <a:p>
             <a:fld id="{CC0E6473-7331-49BB-A22F-9F3ADA6997B2}" type="datetimeFigureOut">
               <a:rPr lang="ko-KR" altLang="en-US" smtClean="0"/>
-              <a:t>2022-06-24</a:t>
+              <a:t>2022-07-05</a:t>
             </a:fld>
             <a:endParaRPr lang="ko-KR" altLang="en-US"/>
           </a:p>
@@ -2381,7 +2381,7 @@
           <a:p>
             <a:fld id="{CC0E6473-7331-49BB-A22F-9F3ADA6997B2}" type="datetimeFigureOut">
               <a:rPr lang="ko-KR" altLang="en-US" smtClean="0"/>
-              <a:t>2022-06-24</a:t>
+              <a:t>2022-07-05</a:t>
             </a:fld>
             <a:endParaRPr lang="ko-KR" altLang="en-US"/>
           </a:p>
@@ -2669,7 +2669,7 @@
           <a:p>
             <a:fld id="{CC0E6473-7331-49BB-A22F-9F3ADA6997B2}" type="datetimeFigureOut">
               <a:rPr lang="ko-KR" altLang="en-US" smtClean="0"/>
-              <a:t>2022-06-24</a:t>
+              <a:t>2022-07-05</a:t>
             </a:fld>
             <a:endParaRPr lang="ko-KR" altLang="en-US"/>
           </a:p>
@@ -2910,7 +2910,7 @@
           <a:p>
             <a:fld id="{CC0E6473-7331-49BB-A22F-9F3ADA6997B2}" type="datetimeFigureOut">
               <a:rPr lang="ko-KR" altLang="en-US" smtClean="0"/>
-              <a:t>2022-06-24</a:t>
+              <a:t>2022-07-05</a:t>
             </a:fld>
             <a:endParaRPr lang="ko-KR" altLang="en-US"/>
           </a:p>
@@ -4303,7 +4303,7 @@
         </p:blipFill>
         <p:spPr>
           <a:xfrm>
-            <a:off x="3748296" y="1241702"/>
+            <a:off x="846834" y="1830787"/>
             <a:ext cx="3892689" cy="4306198"/>
           </a:xfrm>
           <a:prstGeom prst="rect">
@@ -4325,8 +4325,8 @@
         </p:nvSpPr>
         <p:spPr>
           <a:xfrm>
-            <a:off x="1439333" y="1032933"/>
-            <a:ext cx="914400" cy="1477328"/>
+            <a:off x="182033" y="43601"/>
+            <a:ext cx="914400" cy="1754326"/>
           </a:xfrm>
           <a:prstGeom prst="rect">
             <a:avLst/>
@@ -4345,7 +4345,7 @@
                   <a:srgbClr val="FF0000"/>
                 </a:solidFill>
               </a:rPr>
-              <a:t>①②④⑤⑥⑦③⑧⑨⑩⑪⑫⑬⑭</a:t>
+              <a:t>①②④⑤⑥⑦③⑧⑨⑩⑪⑫⑬⑭⑮</a:t>
             </a:r>
             <a:r>
               <a:rPr lang="ko-KR" altLang="en-US" b="1" dirty="0" err="1">
@@ -4377,7 +4377,7 @@
         </p:nvSpPr>
         <p:spPr>
           <a:xfrm>
-            <a:off x="7112001" y="1632312"/>
+            <a:off x="4210539" y="2221397"/>
             <a:ext cx="528984" cy="923330"/>
           </a:xfrm>
           <a:prstGeom prst="rect">
@@ -4434,7 +4434,7 @@
         </p:nvSpPr>
         <p:spPr>
           <a:xfrm>
-            <a:off x="4191000" y="2726576"/>
+            <a:off x="1289538" y="3315661"/>
             <a:ext cx="3197559" cy="369332"/>
           </a:xfrm>
           <a:prstGeom prst="rect">
@@ -4474,7 +4474,7 @@
         </p:nvSpPr>
         <p:spPr>
           <a:xfrm>
-            <a:off x="4377266" y="3059668"/>
+            <a:off x="1475804" y="3648753"/>
             <a:ext cx="916335" cy="369332"/>
           </a:xfrm>
           <a:prstGeom prst="rect">
@@ -4514,7 +4514,7 @@
         </p:nvSpPr>
         <p:spPr>
           <a:xfrm>
-            <a:off x="7128934" y="2357244"/>
+            <a:off x="4227472" y="2946329"/>
             <a:ext cx="512052" cy="369332"/>
           </a:xfrm>
           <a:prstGeom prst="rect">
@@ -4554,7 +4554,7 @@
         </p:nvSpPr>
         <p:spPr>
           <a:xfrm>
-            <a:off x="6618817" y="3078202"/>
+            <a:off x="3717355" y="3667287"/>
             <a:ext cx="837478" cy="369332"/>
           </a:xfrm>
           <a:prstGeom prst="rect">
@@ -4594,7 +4594,7 @@
         </p:nvSpPr>
         <p:spPr>
           <a:xfrm>
-            <a:off x="5573186" y="3076496"/>
+            <a:off x="2671724" y="3665581"/>
             <a:ext cx="766046" cy="369332"/>
           </a:xfrm>
           <a:prstGeom prst="rect">
@@ -4634,7 +4634,7 @@
         </p:nvSpPr>
         <p:spPr>
           <a:xfrm>
-            <a:off x="6028267" y="2532954"/>
+            <a:off x="3126805" y="3122039"/>
             <a:ext cx="690215" cy="369332"/>
           </a:xfrm>
           <a:prstGeom prst="rect">
@@ -4674,7 +4674,7 @@
         </p:nvSpPr>
         <p:spPr>
           <a:xfrm>
-            <a:off x="3485481" y="3567072"/>
+            <a:off x="584019" y="4156157"/>
             <a:ext cx="3280421" cy="369332"/>
           </a:xfrm>
           <a:prstGeom prst="rect">
@@ -4714,7 +4714,7 @@
         </p:nvSpPr>
         <p:spPr>
           <a:xfrm>
-            <a:off x="5280581" y="1953642"/>
+            <a:off x="2379119" y="2542727"/>
             <a:ext cx="1958419" cy="444606"/>
           </a:xfrm>
           <a:prstGeom prst="rect">
@@ -4766,7 +4766,7 @@
         </p:nvSpPr>
         <p:spPr>
           <a:xfrm>
-            <a:off x="3741539" y="1651000"/>
+            <a:off x="840077" y="2240085"/>
             <a:ext cx="1321530" cy="1390133"/>
           </a:xfrm>
           <a:prstGeom prst="rect">
@@ -4818,7 +4818,7 @@
         </p:nvSpPr>
         <p:spPr>
           <a:xfrm>
-            <a:off x="5297287" y="2439630"/>
+            <a:off x="2395825" y="3028715"/>
             <a:ext cx="1933246" cy="185965"/>
           </a:xfrm>
           <a:prstGeom prst="rect">
@@ -4870,7 +4870,7 @@
         </p:nvSpPr>
         <p:spPr>
           <a:xfrm>
-            <a:off x="3798239" y="3490917"/>
+            <a:off x="896777" y="4080002"/>
             <a:ext cx="2407828" cy="390799"/>
           </a:xfrm>
           <a:prstGeom prst="rect">
@@ -4922,7 +4922,7 @@
         </p:nvSpPr>
         <p:spPr>
           <a:xfrm>
-            <a:off x="7045486" y="3394801"/>
+            <a:off x="4144024" y="3983886"/>
             <a:ext cx="632883" cy="369332"/>
           </a:xfrm>
           <a:prstGeom prst="rect">
@@ -4962,7 +4962,7 @@
         </p:nvSpPr>
         <p:spPr>
           <a:xfrm>
-            <a:off x="7388559" y="3730752"/>
+            <a:off x="4487097" y="4319837"/>
             <a:ext cx="447506" cy="369332"/>
           </a:xfrm>
           <a:prstGeom prst="rect">
@@ -5002,7 +5002,7 @@
         </p:nvSpPr>
         <p:spPr>
           <a:xfrm>
-            <a:off x="3753788" y="5209007"/>
+            <a:off x="852326" y="5798092"/>
             <a:ext cx="4150012" cy="369332"/>
           </a:xfrm>
           <a:prstGeom prst="rect">
@@ -5042,7 +5042,7 @@
         </p:nvSpPr>
         <p:spPr>
           <a:xfrm>
-            <a:off x="3788331" y="4055942"/>
+            <a:off x="886869" y="4645027"/>
             <a:ext cx="3890038" cy="1441393"/>
           </a:xfrm>
           <a:prstGeom prst="rect">
@@ -5102,7 +5102,7 @@
         </p:blipFill>
         <p:spPr>
           <a:xfrm>
-            <a:off x="3748295" y="1195275"/>
+            <a:off x="846833" y="1784360"/>
             <a:ext cx="3892689" cy="413509"/>
           </a:xfrm>
           <a:prstGeom prst="rect">
@@ -5124,7 +5124,7 @@
         </p:nvSpPr>
         <p:spPr>
           <a:xfrm>
-            <a:off x="5272114" y="1587222"/>
+            <a:off x="2370652" y="2176307"/>
             <a:ext cx="1958419" cy="353545"/>
           </a:xfrm>
           <a:prstGeom prst="rect">
@@ -5176,7 +5176,7 @@
         </p:nvSpPr>
         <p:spPr>
           <a:xfrm>
-            <a:off x="4718340" y="1255982"/>
+            <a:off x="1816878" y="1845067"/>
             <a:ext cx="914400" cy="369332"/>
           </a:xfrm>
           <a:prstGeom prst="rect">
@@ -5215,7 +5215,7 @@
         </p:nvSpPr>
         <p:spPr>
           <a:xfrm>
-            <a:off x="5990241" y="1151597"/>
+            <a:off x="3088779" y="1740682"/>
             <a:ext cx="565549" cy="369332"/>
           </a:xfrm>
           <a:prstGeom prst="rect">
@@ -5238,6 +5238,1056 @@
               <a:t>⑭</a:t>
             </a:r>
             <a:endParaRPr lang="ko-KR" altLang="en-US" dirty="0"/>
+          </a:p>
+        </p:txBody>
+      </p:sp>
+      <p:pic>
+        <p:nvPicPr>
+          <p:cNvPr id="4" name="그림 3">
+            <a:extLst>
+              <a:ext uri="{FF2B5EF4-FFF2-40B4-BE49-F238E27FC236}">
+                <a16:creationId xmlns:a16="http://schemas.microsoft.com/office/drawing/2014/main" id="{1DE9DFC1-0869-B5DF-630A-408DF2BB232A}"/>
+              </a:ext>
+            </a:extLst>
+          </p:cNvPr>
+          <p:cNvPicPr>
+            <a:picLocks noChangeAspect="1"/>
+          </p:cNvPicPr>
+          <p:nvPr/>
+        </p:nvPicPr>
+        <p:blipFill>
+          <a:blip r:embed="rId4"/>
+          <a:stretch>
+            <a:fillRect/>
+          </a:stretch>
+        </p:blipFill>
+        <p:spPr>
+          <a:xfrm>
+            <a:off x="6424779" y="1452429"/>
+            <a:ext cx="3970829" cy="4392639"/>
+          </a:xfrm>
+          <a:prstGeom prst="rect">
+            <a:avLst/>
+          </a:prstGeom>
+        </p:spPr>
+      </p:pic>
+      <p:sp>
+        <p:nvSpPr>
+          <p:cNvPr id="62" name="TextBox 61">
+            <a:extLst>
+              <a:ext uri="{FF2B5EF4-FFF2-40B4-BE49-F238E27FC236}">
+                <a16:creationId xmlns:a16="http://schemas.microsoft.com/office/drawing/2014/main" id="{4A5F7EBA-EA7C-2D4F-28F5-2D672B1275E2}"/>
+              </a:ext>
+            </a:extLst>
+          </p:cNvPr>
+          <p:cNvSpPr txBox="1"/>
+          <p:nvPr/>
+        </p:nvSpPr>
+        <p:spPr>
+          <a:xfrm>
+            <a:off x="9788484" y="2222569"/>
+            <a:ext cx="528984" cy="923330"/>
+          </a:xfrm>
+          <a:prstGeom prst="rect">
+            <a:avLst/>
+          </a:prstGeom>
+          <a:noFill/>
+        </p:spPr>
+        <p:txBody>
+          <a:bodyPr wrap="square" rtlCol="0">
+            <a:spAutoFit/>
+          </a:bodyPr>
+          <a:lstStyle/>
+          <a:p>
+            <a:r>
+              <a:rPr lang="ko-KR" altLang="en-US" b="1" dirty="0">
+                <a:solidFill>
+                  <a:srgbClr val="FF0000"/>
+                </a:solidFill>
+              </a:rPr>
+              <a:t>③</a:t>
+            </a:r>
+          </a:p>
+          <a:p>
+            <a:endParaRPr lang="en-US" altLang="ko-KR" b="1" dirty="0">
+              <a:solidFill>
+                <a:srgbClr val="FF0000"/>
+              </a:solidFill>
+            </a:endParaRPr>
+          </a:p>
+          <a:p>
+            <a:r>
+              <a:rPr lang="ko-KR" altLang="en-US" b="1" dirty="0">
+                <a:solidFill>
+                  <a:srgbClr val="FF0000"/>
+                </a:solidFill>
+              </a:rPr>
+              <a:t>⑦</a:t>
+            </a:r>
+            <a:endParaRPr lang="ko-KR" altLang="en-US" dirty="0"/>
+          </a:p>
+        </p:txBody>
+      </p:sp>
+      <p:sp>
+        <p:nvSpPr>
+          <p:cNvPr id="63" name="TextBox 62">
+            <a:extLst>
+              <a:ext uri="{FF2B5EF4-FFF2-40B4-BE49-F238E27FC236}">
+                <a16:creationId xmlns:a16="http://schemas.microsoft.com/office/drawing/2014/main" id="{1228F69B-B414-BC0D-615A-2CD386457055}"/>
+              </a:ext>
+            </a:extLst>
+          </p:cNvPr>
+          <p:cNvSpPr txBox="1"/>
+          <p:nvPr/>
+        </p:nvSpPr>
+        <p:spPr>
+          <a:xfrm>
+            <a:off x="6867483" y="3369593"/>
+            <a:ext cx="1011441" cy="369332"/>
+          </a:xfrm>
+          <a:prstGeom prst="rect">
+            <a:avLst/>
+          </a:prstGeom>
+          <a:noFill/>
+        </p:spPr>
+        <p:txBody>
+          <a:bodyPr wrap="square">
+            <a:spAutoFit/>
+          </a:bodyPr>
+          <a:lstStyle/>
+          <a:p>
+            <a:r>
+              <a:rPr lang="ko-KR" altLang="en-US" b="1" dirty="0">
+                <a:solidFill>
+                  <a:srgbClr val="FF0000"/>
+                </a:solidFill>
+              </a:rPr>
+              <a:t>②</a:t>
+            </a:r>
+            <a:endParaRPr lang="ko-KR" altLang="en-US" dirty="0"/>
+          </a:p>
+        </p:txBody>
+      </p:sp>
+      <p:sp>
+        <p:nvSpPr>
+          <p:cNvPr id="64" name="TextBox 63">
+            <a:extLst>
+              <a:ext uri="{FF2B5EF4-FFF2-40B4-BE49-F238E27FC236}">
+                <a16:creationId xmlns:a16="http://schemas.microsoft.com/office/drawing/2014/main" id="{73424739-CB6C-E377-7402-22ED2CF67821}"/>
+              </a:ext>
+            </a:extLst>
+          </p:cNvPr>
+          <p:cNvSpPr txBox="1"/>
+          <p:nvPr/>
+        </p:nvSpPr>
+        <p:spPr>
+          <a:xfrm>
+            <a:off x="9619065" y="3130995"/>
+            <a:ext cx="916335" cy="369332"/>
+          </a:xfrm>
+          <a:prstGeom prst="rect">
+            <a:avLst/>
+          </a:prstGeom>
+          <a:noFill/>
+        </p:spPr>
+        <p:txBody>
+          <a:bodyPr wrap="square">
+            <a:spAutoFit/>
+          </a:bodyPr>
+          <a:lstStyle/>
+          <a:p>
+            <a:r>
+              <a:rPr lang="ko-KR" altLang="en-US" b="1" dirty="0">
+                <a:solidFill>
+                  <a:srgbClr val="FF0000"/>
+                </a:solidFill>
+              </a:rPr>
+              <a:t>⑥</a:t>
+            </a:r>
+            <a:endParaRPr lang="ko-KR" altLang="en-US" dirty="0"/>
+          </a:p>
+        </p:txBody>
+      </p:sp>
+      <p:sp>
+        <p:nvSpPr>
+          <p:cNvPr id="65" name="TextBox 64">
+            <a:extLst>
+              <a:ext uri="{FF2B5EF4-FFF2-40B4-BE49-F238E27FC236}">
+                <a16:creationId xmlns:a16="http://schemas.microsoft.com/office/drawing/2014/main" id="{65B7CDC6-B4EC-41CF-5BBB-9712107E4004}"/>
+              </a:ext>
+            </a:extLst>
+          </p:cNvPr>
+          <p:cNvSpPr txBox="1"/>
+          <p:nvPr/>
+        </p:nvSpPr>
+        <p:spPr>
+          <a:xfrm>
+            <a:off x="9805417" y="2947501"/>
+            <a:ext cx="512052" cy="369332"/>
+          </a:xfrm>
+          <a:prstGeom prst="rect">
+            <a:avLst/>
+          </a:prstGeom>
+          <a:noFill/>
+        </p:spPr>
+        <p:txBody>
+          <a:bodyPr wrap="square">
+            <a:spAutoFit/>
+          </a:bodyPr>
+          <a:lstStyle/>
+          <a:p>
+            <a:r>
+              <a:rPr lang="ko-KR" altLang="en-US" b="1" dirty="0">
+                <a:solidFill>
+                  <a:srgbClr val="FF0000"/>
+                </a:solidFill>
+              </a:rPr>
+              <a:t>⑤</a:t>
+            </a:r>
+            <a:endParaRPr lang="ko-KR" altLang="en-US" dirty="0"/>
+          </a:p>
+        </p:txBody>
+      </p:sp>
+      <p:sp>
+        <p:nvSpPr>
+          <p:cNvPr id="66" name="TextBox 65">
+            <a:extLst>
+              <a:ext uri="{FF2B5EF4-FFF2-40B4-BE49-F238E27FC236}">
+                <a16:creationId xmlns:a16="http://schemas.microsoft.com/office/drawing/2014/main" id="{37680DA8-165F-0821-08BE-9206F609228E}"/>
+              </a:ext>
+            </a:extLst>
+          </p:cNvPr>
+          <p:cNvSpPr txBox="1"/>
+          <p:nvPr/>
+        </p:nvSpPr>
+        <p:spPr>
+          <a:xfrm>
+            <a:off x="9295300" y="3554163"/>
+            <a:ext cx="837478" cy="369332"/>
+          </a:xfrm>
+          <a:prstGeom prst="rect">
+            <a:avLst/>
+          </a:prstGeom>
+          <a:noFill/>
+        </p:spPr>
+        <p:txBody>
+          <a:bodyPr wrap="square">
+            <a:spAutoFit/>
+          </a:bodyPr>
+          <a:lstStyle/>
+          <a:p>
+            <a:r>
+              <a:rPr lang="ko-KR" altLang="en-US" b="1" dirty="0">
+                <a:solidFill>
+                  <a:srgbClr val="FF0000"/>
+                </a:solidFill>
+              </a:rPr>
+              <a:t>⑧</a:t>
+            </a:r>
+            <a:endParaRPr lang="ko-KR" altLang="en-US" dirty="0"/>
+          </a:p>
+        </p:txBody>
+      </p:sp>
+      <p:sp>
+        <p:nvSpPr>
+          <p:cNvPr id="67" name="TextBox 66">
+            <a:extLst>
+              <a:ext uri="{FF2B5EF4-FFF2-40B4-BE49-F238E27FC236}">
+                <a16:creationId xmlns:a16="http://schemas.microsoft.com/office/drawing/2014/main" id="{038543AC-7342-1A2C-AE17-97A07A50CE90}"/>
+              </a:ext>
+            </a:extLst>
+          </p:cNvPr>
+          <p:cNvSpPr txBox="1"/>
+          <p:nvPr/>
+        </p:nvSpPr>
+        <p:spPr>
+          <a:xfrm>
+            <a:off x="8249669" y="3552457"/>
+            <a:ext cx="766046" cy="369332"/>
+          </a:xfrm>
+          <a:prstGeom prst="rect">
+            <a:avLst/>
+          </a:prstGeom>
+          <a:noFill/>
+        </p:spPr>
+        <p:txBody>
+          <a:bodyPr wrap="square">
+            <a:spAutoFit/>
+          </a:bodyPr>
+          <a:lstStyle/>
+          <a:p>
+            <a:r>
+              <a:rPr lang="ko-KR" altLang="en-US" b="1" dirty="0">
+                <a:solidFill>
+                  <a:srgbClr val="FF0000"/>
+                </a:solidFill>
+              </a:rPr>
+              <a:t>④</a:t>
+            </a:r>
+            <a:endParaRPr lang="ko-KR" altLang="en-US" dirty="0"/>
+          </a:p>
+        </p:txBody>
+      </p:sp>
+      <p:sp>
+        <p:nvSpPr>
+          <p:cNvPr id="68" name="TextBox 67">
+            <a:extLst>
+              <a:ext uri="{FF2B5EF4-FFF2-40B4-BE49-F238E27FC236}">
+                <a16:creationId xmlns:a16="http://schemas.microsoft.com/office/drawing/2014/main" id="{C0C651ED-F7EE-04E8-A0F2-07DC409CBB5F}"/>
+              </a:ext>
+            </a:extLst>
+          </p:cNvPr>
+          <p:cNvSpPr txBox="1"/>
+          <p:nvPr/>
+        </p:nvSpPr>
+        <p:spPr>
+          <a:xfrm>
+            <a:off x="8704750" y="3123211"/>
+            <a:ext cx="690215" cy="369332"/>
+          </a:xfrm>
+          <a:prstGeom prst="rect">
+            <a:avLst/>
+          </a:prstGeom>
+          <a:noFill/>
+        </p:spPr>
+        <p:txBody>
+          <a:bodyPr wrap="square">
+            <a:spAutoFit/>
+          </a:bodyPr>
+          <a:lstStyle/>
+          <a:p>
+            <a:r>
+              <a:rPr lang="ko-KR" altLang="en-US" b="1" dirty="0">
+                <a:solidFill>
+                  <a:srgbClr val="FF0000"/>
+                </a:solidFill>
+              </a:rPr>
+              <a:t>⑨</a:t>
+            </a:r>
+            <a:endParaRPr lang="ko-KR" altLang="en-US" dirty="0"/>
+          </a:p>
+        </p:txBody>
+      </p:sp>
+      <p:sp>
+        <p:nvSpPr>
+          <p:cNvPr id="69" name="TextBox 68">
+            <a:extLst>
+              <a:ext uri="{FF2B5EF4-FFF2-40B4-BE49-F238E27FC236}">
+                <a16:creationId xmlns:a16="http://schemas.microsoft.com/office/drawing/2014/main" id="{864501ED-AD1C-0BBF-3407-45AB95D83373}"/>
+              </a:ext>
+            </a:extLst>
+          </p:cNvPr>
+          <p:cNvSpPr txBox="1"/>
+          <p:nvPr/>
+        </p:nvSpPr>
+        <p:spPr>
+          <a:xfrm>
+            <a:off x="6161964" y="3814435"/>
+            <a:ext cx="3280421" cy="369332"/>
+          </a:xfrm>
+          <a:prstGeom prst="rect">
+            <a:avLst/>
+          </a:prstGeom>
+          <a:noFill/>
+        </p:spPr>
+        <p:txBody>
+          <a:bodyPr wrap="square">
+            <a:spAutoFit/>
+          </a:bodyPr>
+          <a:lstStyle/>
+          <a:p>
+            <a:r>
+              <a:rPr lang="ko-KR" altLang="en-US" b="1" dirty="0">
+                <a:solidFill>
+                  <a:srgbClr val="FF0000"/>
+                </a:solidFill>
+              </a:rPr>
+              <a:t>⑩</a:t>
+            </a:r>
+            <a:endParaRPr lang="ko-KR" altLang="en-US" dirty="0"/>
+          </a:p>
+        </p:txBody>
+      </p:sp>
+      <p:sp>
+        <p:nvSpPr>
+          <p:cNvPr id="70" name="직사각형 69">
+            <a:extLst>
+              <a:ext uri="{FF2B5EF4-FFF2-40B4-BE49-F238E27FC236}">
+                <a16:creationId xmlns:a16="http://schemas.microsoft.com/office/drawing/2014/main" id="{8583974F-7171-B863-08AA-D9045B942DED}"/>
+              </a:ext>
+            </a:extLst>
+          </p:cNvPr>
+          <p:cNvSpPr/>
+          <p:nvPr/>
+        </p:nvSpPr>
+        <p:spPr>
+          <a:xfrm>
+            <a:off x="7957064" y="2543899"/>
+            <a:ext cx="1958419" cy="444606"/>
+          </a:xfrm>
+          <a:prstGeom prst="rect">
+            <a:avLst/>
+          </a:prstGeom>
+          <a:noFill/>
+          <a:ln>
+            <a:solidFill>
+              <a:srgbClr val="FF0000"/>
+            </a:solidFill>
+          </a:ln>
+        </p:spPr>
+        <p:style>
+          <a:lnRef idx="2">
+            <a:schemeClr val="accent1">
+              <a:shade val="50000"/>
+            </a:schemeClr>
+          </a:lnRef>
+          <a:fillRef idx="1">
+            <a:schemeClr val="accent1"/>
+          </a:fillRef>
+          <a:effectRef idx="0">
+            <a:schemeClr val="accent1"/>
+          </a:effectRef>
+          <a:fontRef idx="minor">
+            <a:schemeClr val="lt1"/>
+          </a:fontRef>
+        </p:style>
+        <p:txBody>
+          <a:bodyPr rtlCol="0" anchor="ctr"/>
+          <a:lstStyle/>
+          <a:p>
+            <a:pPr algn="ctr"/>
+            <a:endParaRPr lang="ko-KR" altLang="en-US"/>
+          </a:p>
+        </p:txBody>
+      </p:sp>
+      <p:sp>
+        <p:nvSpPr>
+          <p:cNvPr id="71" name="직사각형 70">
+            <a:extLst>
+              <a:ext uri="{FF2B5EF4-FFF2-40B4-BE49-F238E27FC236}">
+                <a16:creationId xmlns:a16="http://schemas.microsoft.com/office/drawing/2014/main" id="{91966A7D-AE1B-A965-B8B0-3D802FD1F386}"/>
+              </a:ext>
+            </a:extLst>
+          </p:cNvPr>
+          <p:cNvSpPr/>
+          <p:nvPr/>
+        </p:nvSpPr>
+        <p:spPr>
+          <a:xfrm>
+            <a:off x="6418022" y="2294017"/>
+            <a:ext cx="1321530" cy="1390133"/>
+          </a:xfrm>
+          <a:prstGeom prst="rect">
+            <a:avLst/>
+          </a:prstGeom>
+          <a:noFill/>
+          <a:ln>
+            <a:solidFill>
+              <a:srgbClr val="FF0000"/>
+            </a:solidFill>
+          </a:ln>
+        </p:spPr>
+        <p:style>
+          <a:lnRef idx="2">
+            <a:schemeClr val="accent1">
+              <a:shade val="50000"/>
+            </a:schemeClr>
+          </a:lnRef>
+          <a:fillRef idx="1">
+            <a:schemeClr val="accent1"/>
+          </a:fillRef>
+          <a:effectRef idx="0">
+            <a:schemeClr val="accent1"/>
+          </a:effectRef>
+          <a:fontRef idx="minor">
+            <a:schemeClr val="lt1"/>
+          </a:fontRef>
+        </p:style>
+        <p:txBody>
+          <a:bodyPr rtlCol="0" anchor="ctr"/>
+          <a:lstStyle/>
+          <a:p>
+            <a:pPr algn="ctr"/>
+            <a:endParaRPr lang="ko-KR" altLang="en-US"/>
+          </a:p>
+        </p:txBody>
+      </p:sp>
+      <p:sp>
+        <p:nvSpPr>
+          <p:cNvPr id="72" name="직사각형 71">
+            <a:extLst>
+              <a:ext uri="{FF2B5EF4-FFF2-40B4-BE49-F238E27FC236}">
+                <a16:creationId xmlns:a16="http://schemas.microsoft.com/office/drawing/2014/main" id="{8AF1D716-BD50-3695-1CF5-AF9DDB08C19F}"/>
+              </a:ext>
+            </a:extLst>
+          </p:cNvPr>
+          <p:cNvSpPr/>
+          <p:nvPr/>
+        </p:nvSpPr>
+        <p:spPr>
+          <a:xfrm>
+            <a:off x="7973770" y="3029887"/>
+            <a:ext cx="1933246" cy="185965"/>
+          </a:xfrm>
+          <a:prstGeom prst="rect">
+            <a:avLst/>
+          </a:prstGeom>
+          <a:noFill/>
+          <a:ln>
+            <a:solidFill>
+              <a:srgbClr val="FF0000"/>
+            </a:solidFill>
+          </a:ln>
+        </p:spPr>
+        <p:style>
+          <a:lnRef idx="2">
+            <a:schemeClr val="accent1">
+              <a:shade val="50000"/>
+            </a:schemeClr>
+          </a:lnRef>
+          <a:fillRef idx="1">
+            <a:schemeClr val="accent1"/>
+          </a:fillRef>
+          <a:effectRef idx="0">
+            <a:schemeClr val="accent1"/>
+          </a:effectRef>
+          <a:fontRef idx="minor">
+            <a:schemeClr val="lt1"/>
+          </a:fontRef>
+        </p:style>
+        <p:txBody>
+          <a:bodyPr rtlCol="0" anchor="ctr"/>
+          <a:lstStyle/>
+          <a:p>
+            <a:pPr algn="ctr"/>
+            <a:endParaRPr lang="ko-KR" altLang="en-US"/>
+          </a:p>
+        </p:txBody>
+      </p:sp>
+      <p:sp>
+        <p:nvSpPr>
+          <p:cNvPr id="73" name="직사각형 72">
+            <a:extLst>
+              <a:ext uri="{FF2B5EF4-FFF2-40B4-BE49-F238E27FC236}">
+                <a16:creationId xmlns:a16="http://schemas.microsoft.com/office/drawing/2014/main" id="{B5327773-6726-0E30-A60A-D23597A98661}"/>
+              </a:ext>
+            </a:extLst>
+          </p:cNvPr>
+          <p:cNvSpPr/>
+          <p:nvPr/>
+        </p:nvSpPr>
+        <p:spPr>
+          <a:xfrm>
+            <a:off x="6474722" y="3905333"/>
+            <a:ext cx="2407828" cy="390799"/>
+          </a:xfrm>
+          <a:prstGeom prst="rect">
+            <a:avLst/>
+          </a:prstGeom>
+          <a:noFill/>
+          <a:ln>
+            <a:solidFill>
+              <a:srgbClr val="FF0000"/>
+            </a:solidFill>
+          </a:ln>
+        </p:spPr>
+        <p:style>
+          <a:lnRef idx="2">
+            <a:schemeClr val="accent1">
+              <a:shade val="50000"/>
+            </a:schemeClr>
+          </a:lnRef>
+          <a:fillRef idx="1">
+            <a:schemeClr val="accent1"/>
+          </a:fillRef>
+          <a:effectRef idx="0">
+            <a:schemeClr val="accent1"/>
+          </a:effectRef>
+          <a:fontRef idx="minor">
+            <a:schemeClr val="lt1"/>
+          </a:fontRef>
+        </p:style>
+        <p:txBody>
+          <a:bodyPr rtlCol="0" anchor="ctr"/>
+          <a:lstStyle/>
+          <a:p>
+            <a:pPr algn="ctr"/>
+            <a:endParaRPr lang="ko-KR" altLang="en-US"/>
+          </a:p>
+        </p:txBody>
+      </p:sp>
+      <p:sp>
+        <p:nvSpPr>
+          <p:cNvPr id="74" name="TextBox 73">
+            <a:extLst>
+              <a:ext uri="{FF2B5EF4-FFF2-40B4-BE49-F238E27FC236}">
+                <a16:creationId xmlns:a16="http://schemas.microsoft.com/office/drawing/2014/main" id="{A5409989-813A-577D-DFB8-035D831F2A1D}"/>
+              </a:ext>
+            </a:extLst>
+          </p:cNvPr>
+          <p:cNvSpPr txBox="1"/>
+          <p:nvPr/>
+        </p:nvSpPr>
+        <p:spPr>
+          <a:xfrm>
+            <a:off x="9816336" y="1390805"/>
+            <a:ext cx="632883" cy="369332"/>
+          </a:xfrm>
+          <a:prstGeom prst="rect">
+            <a:avLst/>
+          </a:prstGeom>
+          <a:noFill/>
+        </p:spPr>
+        <p:txBody>
+          <a:bodyPr wrap="square">
+            <a:spAutoFit/>
+          </a:bodyPr>
+          <a:lstStyle/>
+          <a:p>
+            <a:r>
+              <a:rPr lang="ko-KR" altLang="en-US" b="1" dirty="0">
+                <a:solidFill>
+                  <a:srgbClr val="FF0000"/>
+                </a:solidFill>
+              </a:rPr>
+              <a:t>⑪</a:t>
+            </a:r>
+            <a:endParaRPr lang="ko-KR" altLang="en-US" dirty="0"/>
+          </a:p>
+        </p:txBody>
+      </p:sp>
+      <p:sp>
+        <p:nvSpPr>
+          <p:cNvPr id="75" name="TextBox 74">
+            <a:extLst>
+              <a:ext uri="{FF2B5EF4-FFF2-40B4-BE49-F238E27FC236}">
+                <a16:creationId xmlns:a16="http://schemas.microsoft.com/office/drawing/2014/main" id="{4245A8C5-D834-8BB9-8816-D701F27FEA8A}"/>
+              </a:ext>
+            </a:extLst>
+          </p:cNvPr>
+          <p:cNvSpPr txBox="1"/>
+          <p:nvPr/>
+        </p:nvSpPr>
+        <p:spPr>
+          <a:xfrm>
+            <a:off x="10001713" y="1892740"/>
+            <a:ext cx="447506" cy="369332"/>
+          </a:xfrm>
+          <a:prstGeom prst="rect">
+            <a:avLst/>
+          </a:prstGeom>
+          <a:noFill/>
+        </p:spPr>
+        <p:txBody>
+          <a:bodyPr wrap="square">
+            <a:spAutoFit/>
+          </a:bodyPr>
+          <a:lstStyle/>
+          <a:p>
+            <a:r>
+              <a:rPr lang="ko-KR" altLang="en-US" b="1" dirty="0">
+                <a:solidFill>
+                  <a:srgbClr val="FF0000"/>
+                </a:solidFill>
+              </a:rPr>
+              <a:t>⑫</a:t>
+            </a:r>
+            <a:endParaRPr lang="ko-KR" altLang="en-US" dirty="0"/>
+          </a:p>
+        </p:txBody>
+      </p:sp>
+      <p:sp>
+        <p:nvSpPr>
+          <p:cNvPr id="76" name="TextBox 75">
+            <a:extLst>
+              <a:ext uri="{FF2B5EF4-FFF2-40B4-BE49-F238E27FC236}">
+                <a16:creationId xmlns:a16="http://schemas.microsoft.com/office/drawing/2014/main" id="{87EEAE5F-7EF8-FCC6-3F80-08859302A2AC}"/>
+              </a:ext>
+            </a:extLst>
+          </p:cNvPr>
+          <p:cNvSpPr txBox="1"/>
+          <p:nvPr/>
+        </p:nvSpPr>
+        <p:spPr>
+          <a:xfrm>
+            <a:off x="6430271" y="5456370"/>
+            <a:ext cx="4150012" cy="369332"/>
+          </a:xfrm>
+          <a:prstGeom prst="rect">
+            <a:avLst/>
+          </a:prstGeom>
+          <a:noFill/>
+        </p:spPr>
+        <p:txBody>
+          <a:bodyPr wrap="square">
+            <a:spAutoFit/>
+          </a:bodyPr>
+          <a:lstStyle/>
+          <a:p>
+            <a:r>
+              <a:rPr lang="ko-KR" altLang="en-US" b="1" dirty="0">
+                <a:solidFill>
+                  <a:srgbClr val="FF0000"/>
+                </a:solidFill>
+              </a:rPr>
+              <a:t>⑬</a:t>
+            </a:r>
+            <a:endParaRPr lang="ko-KR" altLang="en-US" dirty="0"/>
+          </a:p>
+        </p:txBody>
+      </p:sp>
+      <p:sp>
+        <p:nvSpPr>
+          <p:cNvPr id="77" name="직사각형 76">
+            <a:extLst>
+              <a:ext uri="{FF2B5EF4-FFF2-40B4-BE49-F238E27FC236}">
+                <a16:creationId xmlns:a16="http://schemas.microsoft.com/office/drawing/2014/main" id="{552ACC76-457E-65E6-FC5A-1395BD97D7C7}"/>
+              </a:ext>
+            </a:extLst>
+          </p:cNvPr>
+          <p:cNvSpPr/>
+          <p:nvPr/>
+        </p:nvSpPr>
+        <p:spPr>
+          <a:xfrm>
+            <a:off x="6464814" y="4303305"/>
+            <a:ext cx="3890038" cy="1441393"/>
+          </a:xfrm>
+          <a:prstGeom prst="rect">
+            <a:avLst/>
+          </a:prstGeom>
+          <a:noFill/>
+          <a:ln>
+            <a:solidFill>
+              <a:srgbClr val="FF0000"/>
+            </a:solidFill>
+          </a:ln>
+        </p:spPr>
+        <p:style>
+          <a:lnRef idx="2">
+            <a:schemeClr val="accent1">
+              <a:shade val="50000"/>
+            </a:schemeClr>
+          </a:lnRef>
+          <a:fillRef idx="1">
+            <a:schemeClr val="accent1"/>
+          </a:fillRef>
+          <a:effectRef idx="0">
+            <a:schemeClr val="accent1"/>
+          </a:effectRef>
+          <a:fontRef idx="minor">
+            <a:schemeClr val="lt1"/>
+          </a:fontRef>
+        </p:style>
+        <p:txBody>
+          <a:bodyPr rtlCol="0" anchor="ctr"/>
+          <a:lstStyle/>
+          <a:p>
+            <a:pPr algn="ctr"/>
+            <a:endParaRPr lang="ko-KR" altLang="en-US"/>
+          </a:p>
+        </p:txBody>
+      </p:sp>
+      <p:sp>
+        <p:nvSpPr>
+          <p:cNvPr id="79" name="직사각형 78">
+            <a:extLst>
+              <a:ext uri="{FF2B5EF4-FFF2-40B4-BE49-F238E27FC236}">
+                <a16:creationId xmlns:a16="http://schemas.microsoft.com/office/drawing/2014/main" id="{07190936-1564-CD00-A9FA-FF8A8A7E7B8B}"/>
+              </a:ext>
+            </a:extLst>
+          </p:cNvPr>
+          <p:cNvSpPr/>
+          <p:nvPr/>
+        </p:nvSpPr>
+        <p:spPr>
+          <a:xfrm>
+            <a:off x="7948597" y="2177479"/>
+            <a:ext cx="1958419" cy="353545"/>
+          </a:xfrm>
+          <a:prstGeom prst="rect">
+            <a:avLst/>
+          </a:prstGeom>
+          <a:noFill/>
+          <a:ln>
+            <a:solidFill>
+              <a:srgbClr val="FF0000"/>
+            </a:solidFill>
+          </a:ln>
+        </p:spPr>
+        <p:style>
+          <a:lnRef idx="2">
+            <a:schemeClr val="accent1">
+              <a:shade val="50000"/>
+            </a:schemeClr>
+          </a:lnRef>
+          <a:fillRef idx="1">
+            <a:schemeClr val="accent1"/>
+          </a:fillRef>
+          <a:effectRef idx="0">
+            <a:schemeClr val="accent1"/>
+          </a:effectRef>
+          <a:fontRef idx="minor">
+            <a:schemeClr val="lt1"/>
+          </a:fontRef>
+        </p:style>
+        <p:txBody>
+          <a:bodyPr rtlCol="0" anchor="ctr"/>
+          <a:lstStyle/>
+          <a:p>
+            <a:pPr algn="ctr"/>
+            <a:endParaRPr lang="ko-KR" altLang="en-US"/>
+          </a:p>
+        </p:txBody>
+      </p:sp>
+      <p:sp>
+        <p:nvSpPr>
+          <p:cNvPr id="80" name="TextBox 79">
+            <a:extLst>
+              <a:ext uri="{FF2B5EF4-FFF2-40B4-BE49-F238E27FC236}">
+                <a16:creationId xmlns:a16="http://schemas.microsoft.com/office/drawing/2014/main" id="{E4BD91DE-2C2D-19E7-2C8C-507BEEF8FF2A}"/>
+              </a:ext>
+            </a:extLst>
+          </p:cNvPr>
+          <p:cNvSpPr txBox="1"/>
+          <p:nvPr/>
+        </p:nvSpPr>
+        <p:spPr>
+          <a:xfrm>
+            <a:off x="7394823" y="1503345"/>
+            <a:ext cx="914400" cy="369332"/>
+          </a:xfrm>
+          <a:prstGeom prst="rect">
+            <a:avLst/>
+          </a:prstGeom>
+          <a:noFill/>
+        </p:spPr>
+        <p:txBody>
+          <a:bodyPr wrap="square" rtlCol="0">
+            <a:spAutoFit/>
+          </a:bodyPr>
+          <a:lstStyle/>
+          <a:p>
+            <a:r>
+              <a:rPr lang="ko-KR" altLang="en-US" b="1" dirty="0">
+                <a:solidFill>
+                  <a:srgbClr val="FF0000"/>
+                </a:solidFill>
+              </a:rPr>
+              <a:t>①</a:t>
+            </a:r>
+          </a:p>
+        </p:txBody>
+      </p:sp>
+      <p:sp>
+        <p:nvSpPr>
+          <p:cNvPr id="81" name="TextBox 80">
+            <a:extLst>
+              <a:ext uri="{FF2B5EF4-FFF2-40B4-BE49-F238E27FC236}">
+                <a16:creationId xmlns:a16="http://schemas.microsoft.com/office/drawing/2014/main" id="{9B774863-6B64-2988-A71C-3211C51B0AAA}"/>
+              </a:ext>
+            </a:extLst>
+          </p:cNvPr>
+          <p:cNvSpPr txBox="1"/>
+          <p:nvPr/>
+        </p:nvSpPr>
+        <p:spPr>
+          <a:xfrm>
+            <a:off x="8640348" y="1442920"/>
+            <a:ext cx="565549" cy="369332"/>
+          </a:xfrm>
+          <a:prstGeom prst="rect">
+            <a:avLst/>
+          </a:prstGeom>
+          <a:noFill/>
+        </p:spPr>
+        <p:txBody>
+          <a:bodyPr wrap="square">
+            <a:spAutoFit/>
+          </a:bodyPr>
+          <a:lstStyle/>
+          <a:p>
+            <a:r>
+              <a:rPr lang="ko-KR" altLang="en-US" b="1" dirty="0">
+                <a:solidFill>
+                  <a:srgbClr val="FF0000"/>
+                </a:solidFill>
+              </a:rPr>
+              <a:t>⑭</a:t>
+            </a:r>
+            <a:endParaRPr lang="ko-KR" altLang="en-US" dirty="0"/>
+          </a:p>
+        </p:txBody>
+      </p:sp>
+      <p:sp>
+        <p:nvSpPr>
+          <p:cNvPr id="82" name="TextBox 81">
+            <a:extLst>
+              <a:ext uri="{FF2B5EF4-FFF2-40B4-BE49-F238E27FC236}">
+                <a16:creationId xmlns:a16="http://schemas.microsoft.com/office/drawing/2014/main" id="{4376ACA7-15A5-9001-05DB-C30ED182C664}"/>
+              </a:ext>
+            </a:extLst>
+          </p:cNvPr>
+          <p:cNvSpPr txBox="1"/>
+          <p:nvPr/>
+        </p:nvSpPr>
+        <p:spPr>
+          <a:xfrm>
+            <a:off x="6320414" y="1760109"/>
+            <a:ext cx="603050" cy="369332"/>
+          </a:xfrm>
+          <a:prstGeom prst="rect">
+            <a:avLst/>
+          </a:prstGeom>
+          <a:noFill/>
+        </p:spPr>
+        <p:txBody>
+          <a:bodyPr wrap="square">
+            <a:spAutoFit/>
+          </a:bodyPr>
+          <a:lstStyle/>
+          <a:p>
+            <a:r>
+              <a:rPr lang="ko-KR" altLang="en-US" b="1" dirty="0">
+                <a:solidFill>
+                  <a:srgbClr val="FF0000"/>
+                </a:solidFill>
+              </a:rPr>
+              <a:t>⑮</a:t>
+            </a:r>
+            <a:endParaRPr lang="ko-KR" altLang="en-US" dirty="0"/>
+          </a:p>
+        </p:txBody>
+      </p:sp>
+      <p:sp>
+        <p:nvSpPr>
+          <p:cNvPr id="83" name="TextBox 82">
+            <a:extLst>
+              <a:ext uri="{FF2B5EF4-FFF2-40B4-BE49-F238E27FC236}">
+                <a16:creationId xmlns:a16="http://schemas.microsoft.com/office/drawing/2014/main" id="{F7F6FFBA-724F-2611-ACC8-A9AE0B57BFFA}"/>
+              </a:ext>
+            </a:extLst>
+          </p:cNvPr>
+          <p:cNvSpPr txBox="1"/>
+          <p:nvPr/>
+        </p:nvSpPr>
+        <p:spPr>
+          <a:xfrm>
+            <a:off x="3934015" y="693907"/>
+            <a:ext cx="6097464" cy="369332"/>
+          </a:xfrm>
+          <a:prstGeom prst="rect">
+            <a:avLst/>
+          </a:prstGeom>
+          <a:noFill/>
+        </p:spPr>
+        <p:txBody>
+          <a:bodyPr wrap="square">
+            <a:spAutoFit/>
+          </a:bodyPr>
+          <a:lstStyle/>
+          <a:p>
+            <a:r>
+              <a:rPr lang="ko-KR" altLang="en-US" b="1" dirty="0">
+                <a:solidFill>
+                  <a:srgbClr val="FF0000"/>
+                </a:solidFill>
+              </a:rPr>
+              <a:t>⑮</a:t>
+            </a:r>
+            <a:r>
+              <a:rPr lang="en-US" altLang="ko-KR" sz="1400" b="1" dirty="0">
+                <a:solidFill>
+                  <a:srgbClr val="FF0000"/>
+                </a:solidFill>
+              </a:rPr>
+              <a:t>(16)</a:t>
+            </a:r>
+            <a:endParaRPr lang="ko-KR" altLang="en-US" b="1" dirty="0">
+              <a:solidFill>
+                <a:srgbClr val="FF0000"/>
+              </a:solidFill>
+            </a:endParaRPr>
+          </a:p>
+        </p:txBody>
+      </p:sp>
+      <p:sp>
+        <p:nvSpPr>
+          <p:cNvPr id="84" name="TextBox 83">
+            <a:extLst>
+              <a:ext uri="{FF2B5EF4-FFF2-40B4-BE49-F238E27FC236}">
+                <a16:creationId xmlns:a16="http://schemas.microsoft.com/office/drawing/2014/main" id="{097B2F80-3595-4D3E-D8B7-70E3CE943187}"/>
+              </a:ext>
+            </a:extLst>
+          </p:cNvPr>
+          <p:cNvSpPr txBox="1"/>
+          <p:nvPr/>
+        </p:nvSpPr>
+        <p:spPr>
+          <a:xfrm>
+            <a:off x="8608720" y="1786848"/>
+            <a:ext cx="1080921" cy="276999"/>
+          </a:xfrm>
+          <a:prstGeom prst="rect">
+            <a:avLst/>
+          </a:prstGeom>
+          <a:noFill/>
+        </p:spPr>
+        <p:txBody>
+          <a:bodyPr wrap="square">
+            <a:spAutoFit/>
+          </a:bodyPr>
+          <a:lstStyle/>
+          <a:p>
+            <a:r>
+              <a:rPr lang="en-US" altLang="ko-KR" sz="1200" b="1" dirty="0">
+                <a:solidFill>
+                  <a:srgbClr val="FF0000"/>
+                </a:solidFill>
+              </a:rPr>
+              <a:t>(16)</a:t>
+            </a:r>
+            <a:endParaRPr lang="ko-KR" altLang="en-US" sz="1200" dirty="0"/>
+          </a:p>
+        </p:txBody>
+      </p:sp>
+      <p:sp>
+        <p:nvSpPr>
+          <p:cNvPr id="85" name="TextBox 84">
+            <a:extLst>
+              <a:ext uri="{FF2B5EF4-FFF2-40B4-BE49-F238E27FC236}">
+                <a16:creationId xmlns:a16="http://schemas.microsoft.com/office/drawing/2014/main" id="{FB05ACE0-22B3-289E-AE7A-6751DC41E6D0}"/>
+              </a:ext>
+            </a:extLst>
+          </p:cNvPr>
+          <p:cNvSpPr txBox="1"/>
+          <p:nvPr/>
+        </p:nvSpPr>
+        <p:spPr>
+          <a:xfrm>
+            <a:off x="6919096" y="2035979"/>
+            <a:ext cx="1080921" cy="276999"/>
+          </a:xfrm>
+          <a:prstGeom prst="rect">
+            <a:avLst/>
+          </a:prstGeom>
+          <a:noFill/>
+        </p:spPr>
+        <p:txBody>
+          <a:bodyPr wrap="square">
+            <a:spAutoFit/>
+          </a:bodyPr>
+          <a:lstStyle/>
+          <a:p>
+            <a:r>
+              <a:rPr lang="en-US" altLang="ko-KR" sz="1200" b="1" dirty="0">
+                <a:solidFill>
+                  <a:srgbClr val="FF0000"/>
+                </a:solidFill>
+              </a:rPr>
+              <a:t>(17)</a:t>
+            </a:r>
+            <a:endParaRPr lang="ko-KR" altLang="en-US" sz="1200" dirty="0"/>
           </a:p>
         </p:txBody>
       </p:sp>

--- a/AnalysisSW/01.Manual/사용한ppt/analy메뉴.pptx
+++ b/AnalysisSW/01.Manual/사용한ppt/analy메뉴.pptx
@@ -7,6 +7,7 @@
   <p:sldIdLst>
     <p:sldId id="256" r:id="rId2"/>
     <p:sldId id="257" r:id="rId3"/>
+    <p:sldId id="259" r:id="rId4"/>
   </p:sldIdLst>
   <p:sldSz cx="12192000" cy="6858000"/>
   <p:notesSz cx="6858000" cy="9144000"/>
@@ -260,7 +261,7 @@
           <a:p>
             <a:fld id="{CC0E6473-7331-49BB-A22F-9F3ADA6997B2}" type="datetimeFigureOut">
               <a:rPr lang="ko-KR" altLang="en-US" smtClean="0"/>
-              <a:t>2022-07-05</a:t>
+              <a:t>2022-08-19</a:t>
             </a:fld>
             <a:endParaRPr lang="ko-KR" altLang="en-US"/>
           </a:p>
@@ -458,7 +459,7 @@
           <a:p>
             <a:fld id="{CC0E6473-7331-49BB-A22F-9F3ADA6997B2}" type="datetimeFigureOut">
               <a:rPr lang="ko-KR" altLang="en-US" smtClean="0"/>
-              <a:t>2022-07-05</a:t>
+              <a:t>2022-08-19</a:t>
             </a:fld>
             <a:endParaRPr lang="ko-KR" altLang="en-US"/>
           </a:p>
@@ -666,7 +667,7 @@
           <a:p>
             <a:fld id="{CC0E6473-7331-49BB-A22F-9F3ADA6997B2}" type="datetimeFigureOut">
               <a:rPr lang="ko-KR" altLang="en-US" smtClean="0"/>
-              <a:t>2022-07-05</a:t>
+              <a:t>2022-08-19</a:t>
             </a:fld>
             <a:endParaRPr lang="ko-KR" altLang="en-US"/>
           </a:p>
@@ -864,7 +865,7 @@
           <a:p>
             <a:fld id="{CC0E6473-7331-49BB-A22F-9F3ADA6997B2}" type="datetimeFigureOut">
               <a:rPr lang="ko-KR" altLang="en-US" smtClean="0"/>
-              <a:t>2022-07-05</a:t>
+              <a:t>2022-08-19</a:t>
             </a:fld>
             <a:endParaRPr lang="ko-KR" altLang="en-US"/>
           </a:p>
@@ -1139,7 +1140,7 @@
           <a:p>
             <a:fld id="{CC0E6473-7331-49BB-A22F-9F3ADA6997B2}" type="datetimeFigureOut">
               <a:rPr lang="ko-KR" altLang="en-US" smtClean="0"/>
-              <a:t>2022-07-05</a:t>
+              <a:t>2022-08-19</a:t>
             </a:fld>
             <a:endParaRPr lang="ko-KR" altLang="en-US"/>
           </a:p>
@@ -1404,7 +1405,7 @@
           <a:p>
             <a:fld id="{CC0E6473-7331-49BB-A22F-9F3ADA6997B2}" type="datetimeFigureOut">
               <a:rPr lang="ko-KR" altLang="en-US" smtClean="0"/>
-              <a:t>2022-07-05</a:t>
+              <a:t>2022-08-19</a:t>
             </a:fld>
             <a:endParaRPr lang="ko-KR" altLang="en-US"/>
           </a:p>
@@ -1816,7 +1817,7 @@
           <a:p>
             <a:fld id="{CC0E6473-7331-49BB-A22F-9F3ADA6997B2}" type="datetimeFigureOut">
               <a:rPr lang="ko-KR" altLang="en-US" smtClean="0"/>
-              <a:t>2022-07-05</a:t>
+              <a:t>2022-08-19</a:t>
             </a:fld>
             <a:endParaRPr lang="ko-KR" altLang="en-US"/>
           </a:p>
@@ -1957,7 +1958,7 @@
           <a:p>
             <a:fld id="{CC0E6473-7331-49BB-A22F-9F3ADA6997B2}" type="datetimeFigureOut">
               <a:rPr lang="ko-KR" altLang="en-US" smtClean="0"/>
-              <a:t>2022-07-05</a:t>
+              <a:t>2022-08-19</a:t>
             </a:fld>
             <a:endParaRPr lang="ko-KR" altLang="en-US"/>
           </a:p>
@@ -2070,7 +2071,7 @@
           <a:p>
             <a:fld id="{CC0E6473-7331-49BB-A22F-9F3ADA6997B2}" type="datetimeFigureOut">
               <a:rPr lang="ko-KR" altLang="en-US" smtClean="0"/>
-              <a:t>2022-07-05</a:t>
+              <a:t>2022-08-19</a:t>
             </a:fld>
             <a:endParaRPr lang="ko-KR" altLang="en-US"/>
           </a:p>
@@ -2381,7 +2382,7 @@
           <a:p>
             <a:fld id="{CC0E6473-7331-49BB-A22F-9F3ADA6997B2}" type="datetimeFigureOut">
               <a:rPr lang="ko-KR" altLang="en-US" smtClean="0"/>
-              <a:t>2022-07-05</a:t>
+              <a:t>2022-08-19</a:t>
             </a:fld>
             <a:endParaRPr lang="ko-KR" altLang="en-US"/>
           </a:p>
@@ -2669,7 +2670,7 @@
           <a:p>
             <a:fld id="{CC0E6473-7331-49BB-A22F-9F3ADA6997B2}" type="datetimeFigureOut">
               <a:rPr lang="ko-KR" altLang="en-US" smtClean="0"/>
-              <a:t>2022-07-05</a:t>
+              <a:t>2022-08-19</a:t>
             </a:fld>
             <a:endParaRPr lang="ko-KR" altLang="en-US"/>
           </a:p>
@@ -2910,7 +2911,7 @@
           <a:p>
             <a:fld id="{CC0E6473-7331-49BB-A22F-9F3ADA6997B2}" type="datetimeFigureOut">
               <a:rPr lang="ko-KR" altLang="en-US" smtClean="0"/>
-              <a:t>2022-07-05</a:t>
+              <a:t>2022-08-19</a:t>
             </a:fld>
             <a:endParaRPr lang="ko-KR" altLang="en-US"/>
           </a:p>
@@ -6304,6 +6305,1266 @@
 </p:sld>
 </file>
 
+<file path=ppt/slides/slide3.xml><?xml version="1.0" encoding="utf-8"?>
+<p:sld xmlns:a="http://schemas.openxmlformats.org/drawingml/2006/main" xmlns:r="http://schemas.openxmlformats.org/officeDocument/2006/relationships" xmlns:p="http://schemas.openxmlformats.org/presentationml/2006/main">
+  <p:cSld>
+    <p:spTree>
+      <p:nvGrpSpPr>
+        <p:cNvPr id="1" name=""/>
+        <p:cNvGrpSpPr/>
+        <p:nvPr/>
+      </p:nvGrpSpPr>
+      <p:grpSpPr>
+        <a:xfrm>
+          <a:off x="0" y="0"/>
+          <a:ext cx="0" cy="0"/>
+          <a:chOff x="0" y="0"/>
+          <a:chExt cx="0" cy="0"/>
+        </a:xfrm>
+      </p:grpSpPr>
+      <p:pic>
+        <p:nvPicPr>
+          <p:cNvPr id="5" name="그림 4">
+            <a:extLst>
+              <a:ext uri="{FF2B5EF4-FFF2-40B4-BE49-F238E27FC236}">
+                <a16:creationId xmlns:a16="http://schemas.microsoft.com/office/drawing/2014/main" id="{F1A3A47A-1A57-8555-44CE-CCEE980A5939}"/>
+              </a:ext>
+            </a:extLst>
+          </p:cNvPr>
+          <p:cNvPicPr>
+            <a:picLocks noChangeAspect="1"/>
+          </p:cNvPicPr>
+          <p:nvPr/>
+        </p:nvPicPr>
+        <p:blipFill>
+          <a:blip r:embed="rId2"/>
+          <a:stretch>
+            <a:fillRect/>
+          </a:stretch>
+        </p:blipFill>
+        <p:spPr>
+          <a:xfrm>
+            <a:off x="6221874" y="648437"/>
+            <a:ext cx="4414518" cy="5756661"/>
+          </a:xfrm>
+          <a:prstGeom prst="rect">
+            <a:avLst/>
+          </a:prstGeom>
+        </p:spPr>
+      </p:pic>
+      <p:sp>
+        <p:nvSpPr>
+          <p:cNvPr id="21" name="TextBox 20">
+            <a:extLst>
+              <a:ext uri="{FF2B5EF4-FFF2-40B4-BE49-F238E27FC236}">
+                <a16:creationId xmlns:a16="http://schemas.microsoft.com/office/drawing/2014/main" id="{B319A13D-ECC7-5EB1-8DD7-8A879AC656CA}"/>
+              </a:ext>
+            </a:extLst>
+          </p:cNvPr>
+          <p:cNvSpPr txBox="1"/>
+          <p:nvPr/>
+        </p:nvSpPr>
+        <p:spPr>
+          <a:xfrm>
+            <a:off x="182033" y="43601"/>
+            <a:ext cx="914400" cy="1754326"/>
+          </a:xfrm>
+          <a:prstGeom prst="rect">
+            <a:avLst/>
+          </a:prstGeom>
+          <a:noFill/>
+        </p:spPr>
+        <p:txBody>
+          <a:bodyPr wrap="square" rtlCol="0">
+            <a:spAutoFit/>
+          </a:bodyPr>
+          <a:lstStyle/>
+          <a:p>
+            <a:r>
+              <a:rPr lang="ko-KR" altLang="en-US" b="1" dirty="0">
+                <a:solidFill>
+                  <a:srgbClr val="FF0000"/>
+                </a:solidFill>
+              </a:rPr>
+              <a:t>①②④⑤⑥⑦③⑧⑨⑩⑪⑫⑬⑭⑮</a:t>
+            </a:r>
+            <a:r>
+              <a:rPr lang="ko-KR" altLang="en-US" b="1" dirty="0" err="1">
+                <a:solidFill>
+                  <a:srgbClr val="FF0000"/>
+                </a:solidFill>
+              </a:rPr>
+              <a:t>ㅇ</a:t>
+            </a:r>
+            <a:endParaRPr lang="ko-KR" altLang="en-US" b="1" dirty="0">
+              <a:solidFill>
+                <a:srgbClr val="FF0000"/>
+              </a:solidFill>
+            </a:endParaRPr>
+          </a:p>
+        </p:txBody>
+      </p:sp>
+      <p:pic>
+        <p:nvPicPr>
+          <p:cNvPr id="4" name="그림 3">
+            <a:extLst>
+              <a:ext uri="{FF2B5EF4-FFF2-40B4-BE49-F238E27FC236}">
+                <a16:creationId xmlns:a16="http://schemas.microsoft.com/office/drawing/2014/main" id="{1DE9DFC1-0869-B5DF-630A-408DF2BB232A}"/>
+              </a:ext>
+            </a:extLst>
+          </p:cNvPr>
+          <p:cNvPicPr>
+            <a:picLocks noChangeAspect="1"/>
+          </p:cNvPicPr>
+          <p:nvPr/>
+        </p:nvPicPr>
+        <p:blipFill>
+          <a:blip r:embed="rId3"/>
+          <a:stretch>
+            <a:fillRect/>
+          </a:stretch>
+        </p:blipFill>
+        <p:spPr>
+          <a:xfrm>
+            <a:off x="371112" y="2112829"/>
+            <a:ext cx="3970829" cy="4392639"/>
+          </a:xfrm>
+          <a:prstGeom prst="rect">
+            <a:avLst/>
+          </a:prstGeom>
+        </p:spPr>
+      </p:pic>
+      <p:sp>
+        <p:nvSpPr>
+          <p:cNvPr id="62" name="TextBox 61">
+            <a:extLst>
+              <a:ext uri="{FF2B5EF4-FFF2-40B4-BE49-F238E27FC236}">
+                <a16:creationId xmlns:a16="http://schemas.microsoft.com/office/drawing/2014/main" id="{4A5F7EBA-EA7C-2D4F-28F5-2D672B1275E2}"/>
+              </a:ext>
+            </a:extLst>
+          </p:cNvPr>
+          <p:cNvSpPr txBox="1"/>
+          <p:nvPr/>
+        </p:nvSpPr>
+        <p:spPr>
+          <a:xfrm>
+            <a:off x="9579944" y="1797927"/>
+            <a:ext cx="1556993" cy="3416320"/>
+          </a:xfrm>
+          <a:prstGeom prst="rect">
+            <a:avLst/>
+          </a:prstGeom>
+          <a:noFill/>
+        </p:spPr>
+        <p:txBody>
+          <a:bodyPr wrap="square" rtlCol="0">
+            <a:spAutoFit/>
+          </a:bodyPr>
+          <a:lstStyle/>
+          <a:p>
+            <a:r>
+              <a:rPr lang="ko-KR" altLang="en-US" b="1" dirty="0">
+                <a:solidFill>
+                  <a:srgbClr val="FF0000"/>
+                </a:solidFill>
+              </a:rPr>
+              <a:t>③</a:t>
+            </a:r>
+            <a:r>
+              <a:rPr lang="en-US" altLang="ko-KR" b="1" dirty="0">
+                <a:solidFill>
+                  <a:srgbClr val="FF0000"/>
+                </a:solidFill>
+              </a:rPr>
+              <a:t>-1</a:t>
+            </a:r>
+          </a:p>
+          <a:p>
+            <a:endParaRPr lang="en-US" altLang="ko-KR" b="1" dirty="0">
+              <a:solidFill>
+                <a:srgbClr val="FF0000"/>
+              </a:solidFill>
+            </a:endParaRPr>
+          </a:p>
+          <a:p>
+            <a:r>
+              <a:rPr lang="ko-KR" altLang="en-US" b="1" dirty="0">
+                <a:solidFill>
+                  <a:srgbClr val="FF0000"/>
+                </a:solidFill>
+              </a:rPr>
+              <a:t>③</a:t>
+            </a:r>
+            <a:r>
+              <a:rPr lang="en-US" altLang="ko-KR" b="1" dirty="0">
+                <a:solidFill>
+                  <a:srgbClr val="FF0000"/>
+                </a:solidFill>
+              </a:rPr>
+              <a:t>-2</a:t>
+            </a:r>
+          </a:p>
+          <a:p>
+            <a:endParaRPr lang="en-US" altLang="ko-KR" b="1" dirty="0">
+              <a:solidFill>
+                <a:srgbClr val="FF0000"/>
+              </a:solidFill>
+            </a:endParaRPr>
+          </a:p>
+          <a:p>
+            <a:r>
+              <a:rPr lang="ko-KR" altLang="en-US" b="1" dirty="0">
+                <a:solidFill>
+                  <a:srgbClr val="FF0000"/>
+                </a:solidFill>
+              </a:rPr>
+              <a:t>③</a:t>
+            </a:r>
+            <a:r>
+              <a:rPr lang="en-US" altLang="ko-KR" b="1" dirty="0">
+                <a:solidFill>
+                  <a:srgbClr val="FF0000"/>
+                </a:solidFill>
+              </a:rPr>
+              <a:t>-3</a:t>
+            </a:r>
+            <a:endParaRPr lang="ko-KR" altLang="en-US" b="1" dirty="0">
+              <a:solidFill>
+                <a:srgbClr val="FF0000"/>
+              </a:solidFill>
+            </a:endParaRPr>
+          </a:p>
+          <a:p>
+            <a:endParaRPr lang="en-US" altLang="ko-KR" b="1" dirty="0">
+              <a:solidFill>
+                <a:srgbClr val="FF0000"/>
+              </a:solidFill>
+            </a:endParaRPr>
+          </a:p>
+          <a:p>
+            <a:endParaRPr lang="en-US" altLang="ko-KR" b="1" dirty="0">
+              <a:solidFill>
+                <a:srgbClr val="FF0000"/>
+              </a:solidFill>
+            </a:endParaRPr>
+          </a:p>
+          <a:p>
+            <a:endParaRPr lang="en-US" altLang="ko-KR" b="1" dirty="0">
+              <a:solidFill>
+                <a:srgbClr val="FF0000"/>
+              </a:solidFill>
+            </a:endParaRPr>
+          </a:p>
+          <a:p>
+            <a:endParaRPr lang="en-US" altLang="ko-KR" b="1" dirty="0">
+              <a:solidFill>
+                <a:srgbClr val="FF0000"/>
+              </a:solidFill>
+            </a:endParaRPr>
+          </a:p>
+          <a:p>
+            <a:endParaRPr lang="en-US" altLang="ko-KR" b="1" dirty="0">
+              <a:solidFill>
+                <a:srgbClr val="FF0000"/>
+              </a:solidFill>
+            </a:endParaRPr>
+          </a:p>
+          <a:p>
+            <a:endParaRPr lang="en-US" altLang="ko-KR" b="1" dirty="0">
+              <a:solidFill>
+                <a:srgbClr val="FF0000"/>
+              </a:solidFill>
+            </a:endParaRPr>
+          </a:p>
+          <a:p>
+            <a:r>
+              <a:rPr lang="ko-KR" altLang="en-US" b="1" dirty="0">
+                <a:solidFill>
+                  <a:srgbClr val="FF0000"/>
+                </a:solidFill>
+              </a:rPr>
+              <a:t>⑦</a:t>
+            </a:r>
+            <a:endParaRPr lang="ko-KR" altLang="en-US" dirty="0"/>
+          </a:p>
+        </p:txBody>
+      </p:sp>
+      <p:sp>
+        <p:nvSpPr>
+          <p:cNvPr id="63" name="TextBox 62">
+            <a:extLst>
+              <a:ext uri="{FF2B5EF4-FFF2-40B4-BE49-F238E27FC236}">
+                <a16:creationId xmlns:a16="http://schemas.microsoft.com/office/drawing/2014/main" id="{1228F69B-B414-BC0D-615A-2CD386457055}"/>
+              </a:ext>
+            </a:extLst>
+          </p:cNvPr>
+          <p:cNvSpPr txBox="1"/>
+          <p:nvPr/>
+        </p:nvSpPr>
+        <p:spPr>
+          <a:xfrm>
+            <a:off x="6737826" y="3062005"/>
+            <a:ext cx="1011441" cy="369332"/>
+          </a:xfrm>
+          <a:prstGeom prst="rect">
+            <a:avLst/>
+          </a:prstGeom>
+          <a:noFill/>
+        </p:spPr>
+        <p:txBody>
+          <a:bodyPr wrap="square">
+            <a:spAutoFit/>
+          </a:bodyPr>
+          <a:lstStyle/>
+          <a:p>
+            <a:r>
+              <a:rPr lang="ko-KR" altLang="en-US" b="1" dirty="0">
+                <a:solidFill>
+                  <a:srgbClr val="FF0000"/>
+                </a:solidFill>
+              </a:rPr>
+              <a:t>②</a:t>
+            </a:r>
+            <a:endParaRPr lang="ko-KR" altLang="en-US" dirty="0"/>
+          </a:p>
+        </p:txBody>
+      </p:sp>
+      <p:sp>
+        <p:nvSpPr>
+          <p:cNvPr id="64" name="TextBox 63">
+            <a:extLst>
+              <a:ext uri="{FF2B5EF4-FFF2-40B4-BE49-F238E27FC236}">
+                <a16:creationId xmlns:a16="http://schemas.microsoft.com/office/drawing/2014/main" id="{73424739-CB6C-E377-7402-22ED2CF67821}"/>
+              </a:ext>
+            </a:extLst>
+          </p:cNvPr>
+          <p:cNvSpPr txBox="1"/>
+          <p:nvPr/>
+        </p:nvSpPr>
+        <p:spPr>
+          <a:xfrm>
+            <a:off x="6954912" y="3915397"/>
+            <a:ext cx="916335" cy="369332"/>
+          </a:xfrm>
+          <a:prstGeom prst="rect">
+            <a:avLst/>
+          </a:prstGeom>
+          <a:noFill/>
+        </p:spPr>
+        <p:txBody>
+          <a:bodyPr wrap="square">
+            <a:spAutoFit/>
+          </a:bodyPr>
+          <a:lstStyle/>
+          <a:p>
+            <a:r>
+              <a:rPr lang="ko-KR" altLang="en-US" b="1" dirty="0">
+                <a:solidFill>
+                  <a:srgbClr val="FF0000"/>
+                </a:solidFill>
+              </a:rPr>
+              <a:t>⑥</a:t>
+            </a:r>
+            <a:endParaRPr lang="ko-KR" altLang="en-US" dirty="0"/>
+          </a:p>
+        </p:txBody>
+      </p:sp>
+      <p:sp>
+        <p:nvSpPr>
+          <p:cNvPr id="65" name="TextBox 64">
+            <a:extLst>
+              <a:ext uri="{FF2B5EF4-FFF2-40B4-BE49-F238E27FC236}">
+                <a16:creationId xmlns:a16="http://schemas.microsoft.com/office/drawing/2014/main" id="{65B7CDC6-B4EC-41CF-5BBB-9712107E4004}"/>
+              </a:ext>
+            </a:extLst>
+          </p:cNvPr>
+          <p:cNvSpPr txBox="1"/>
+          <p:nvPr/>
+        </p:nvSpPr>
+        <p:spPr>
+          <a:xfrm>
+            <a:off x="7743985" y="3279573"/>
+            <a:ext cx="512052" cy="369332"/>
+          </a:xfrm>
+          <a:prstGeom prst="rect">
+            <a:avLst/>
+          </a:prstGeom>
+          <a:noFill/>
+        </p:spPr>
+        <p:txBody>
+          <a:bodyPr wrap="square">
+            <a:spAutoFit/>
+          </a:bodyPr>
+          <a:lstStyle/>
+          <a:p>
+            <a:r>
+              <a:rPr lang="ko-KR" altLang="en-US" b="1" dirty="0">
+                <a:solidFill>
+                  <a:srgbClr val="FF0000"/>
+                </a:solidFill>
+              </a:rPr>
+              <a:t>⑤</a:t>
+            </a:r>
+            <a:endParaRPr lang="ko-KR" altLang="en-US" dirty="0"/>
+          </a:p>
+        </p:txBody>
+      </p:sp>
+      <p:sp>
+        <p:nvSpPr>
+          <p:cNvPr id="66" name="TextBox 65">
+            <a:extLst>
+              <a:ext uri="{FF2B5EF4-FFF2-40B4-BE49-F238E27FC236}">
+                <a16:creationId xmlns:a16="http://schemas.microsoft.com/office/drawing/2014/main" id="{37680DA8-165F-0821-08BE-9206F609228E}"/>
+              </a:ext>
+            </a:extLst>
+          </p:cNvPr>
+          <p:cNvSpPr txBox="1"/>
+          <p:nvPr/>
+        </p:nvSpPr>
+        <p:spPr>
+          <a:xfrm>
+            <a:off x="9607055" y="4519081"/>
+            <a:ext cx="837478" cy="369332"/>
+          </a:xfrm>
+          <a:prstGeom prst="rect">
+            <a:avLst/>
+          </a:prstGeom>
+          <a:noFill/>
+        </p:spPr>
+        <p:txBody>
+          <a:bodyPr wrap="square">
+            <a:spAutoFit/>
+          </a:bodyPr>
+          <a:lstStyle/>
+          <a:p>
+            <a:r>
+              <a:rPr lang="ko-KR" altLang="en-US" b="1" dirty="0">
+                <a:solidFill>
+                  <a:srgbClr val="FF0000"/>
+                </a:solidFill>
+              </a:rPr>
+              <a:t>⑧</a:t>
+            </a:r>
+            <a:endParaRPr lang="ko-KR" altLang="en-US" dirty="0"/>
+          </a:p>
+        </p:txBody>
+      </p:sp>
+      <p:sp>
+        <p:nvSpPr>
+          <p:cNvPr id="67" name="TextBox 66">
+            <a:extLst>
+              <a:ext uri="{FF2B5EF4-FFF2-40B4-BE49-F238E27FC236}">
+                <a16:creationId xmlns:a16="http://schemas.microsoft.com/office/drawing/2014/main" id="{038543AC-7342-1A2C-AE17-97A07A50CE90}"/>
+              </a:ext>
+            </a:extLst>
+          </p:cNvPr>
+          <p:cNvSpPr txBox="1"/>
+          <p:nvPr/>
+        </p:nvSpPr>
+        <p:spPr>
+          <a:xfrm>
+            <a:off x="8649151" y="4511400"/>
+            <a:ext cx="766046" cy="369332"/>
+          </a:xfrm>
+          <a:prstGeom prst="rect">
+            <a:avLst/>
+          </a:prstGeom>
+          <a:noFill/>
+        </p:spPr>
+        <p:txBody>
+          <a:bodyPr wrap="square">
+            <a:spAutoFit/>
+          </a:bodyPr>
+          <a:lstStyle/>
+          <a:p>
+            <a:r>
+              <a:rPr lang="ko-KR" altLang="en-US" b="1" dirty="0">
+                <a:solidFill>
+                  <a:srgbClr val="FF0000"/>
+                </a:solidFill>
+              </a:rPr>
+              <a:t>④</a:t>
+            </a:r>
+            <a:endParaRPr lang="ko-KR" altLang="en-US" dirty="0"/>
+          </a:p>
+        </p:txBody>
+      </p:sp>
+      <p:sp>
+        <p:nvSpPr>
+          <p:cNvPr id="68" name="TextBox 67">
+            <a:extLst>
+              <a:ext uri="{FF2B5EF4-FFF2-40B4-BE49-F238E27FC236}">
+                <a16:creationId xmlns:a16="http://schemas.microsoft.com/office/drawing/2014/main" id="{C0C651ED-F7EE-04E8-A0F2-07DC409CBB5F}"/>
+              </a:ext>
+            </a:extLst>
+          </p:cNvPr>
+          <p:cNvSpPr txBox="1"/>
+          <p:nvPr/>
+        </p:nvSpPr>
+        <p:spPr>
+          <a:xfrm>
+            <a:off x="7115600" y="3695897"/>
+            <a:ext cx="690215" cy="369332"/>
+          </a:xfrm>
+          <a:prstGeom prst="rect">
+            <a:avLst/>
+          </a:prstGeom>
+          <a:noFill/>
+        </p:spPr>
+        <p:txBody>
+          <a:bodyPr wrap="square">
+            <a:spAutoFit/>
+          </a:bodyPr>
+          <a:lstStyle/>
+          <a:p>
+            <a:r>
+              <a:rPr lang="ko-KR" altLang="en-US" b="1" dirty="0">
+                <a:solidFill>
+                  <a:srgbClr val="FF0000"/>
+                </a:solidFill>
+              </a:rPr>
+              <a:t>⑨</a:t>
+            </a:r>
+            <a:endParaRPr lang="ko-KR" altLang="en-US" dirty="0"/>
+          </a:p>
+        </p:txBody>
+      </p:sp>
+      <p:sp>
+        <p:nvSpPr>
+          <p:cNvPr id="69" name="TextBox 68">
+            <a:extLst>
+              <a:ext uri="{FF2B5EF4-FFF2-40B4-BE49-F238E27FC236}">
+                <a16:creationId xmlns:a16="http://schemas.microsoft.com/office/drawing/2014/main" id="{864501ED-AD1C-0BBF-3407-45AB95D83373}"/>
+              </a:ext>
+            </a:extLst>
+          </p:cNvPr>
+          <p:cNvSpPr txBox="1"/>
+          <p:nvPr/>
+        </p:nvSpPr>
+        <p:spPr>
+          <a:xfrm>
+            <a:off x="6134776" y="4180372"/>
+            <a:ext cx="3280421" cy="369332"/>
+          </a:xfrm>
+          <a:prstGeom prst="rect">
+            <a:avLst/>
+          </a:prstGeom>
+          <a:noFill/>
+        </p:spPr>
+        <p:txBody>
+          <a:bodyPr wrap="square">
+            <a:spAutoFit/>
+          </a:bodyPr>
+          <a:lstStyle/>
+          <a:p>
+            <a:r>
+              <a:rPr lang="ko-KR" altLang="en-US" b="1" dirty="0">
+                <a:solidFill>
+                  <a:srgbClr val="FF0000"/>
+                </a:solidFill>
+              </a:rPr>
+              <a:t>⑩</a:t>
+            </a:r>
+            <a:endParaRPr lang="ko-KR" altLang="en-US" dirty="0"/>
+          </a:p>
+        </p:txBody>
+      </p:sp>
+      <p:sp>
+        <p:nvSpPr>
+          <p:cNvPr id="70" name="직사각형 69">
+            <a:extLst>
+              <a:ext uri="{FF2B5EF4-FFF2-40B4-BE49-F238E27FC236}">
+                <a16:creationId xmlns:a16="http://schemas.microsoft.com/office/drawing/2014/main" id="{8583974F-7171-B863-08AA-D9045B942DED}"/>
+              </a:ext>
+            </a:extLst>
+          </p:cNvPr>
+          <p:cNvSpPr/>
+          <p:nvPr/>
+        </p:nvSpPr>
+        <p:spPr>
+          <a:xfrm>
+            <a:off x="1903397" y="3204299"/>
+            <a:ext cx="1958419" cy="444606"/>
+          </a:xfrm>
+          <a:prstGeom prst="rect">
+            <a:avLst/>
+          </a:prstGeom>
+          <a:noFill/>
+          <a:ln>
+            <a:solidFill>
+              <a:srgbClr val="FF0000"/>
+            </a:solidFill>
+          </a:ln>
+        </p:spPr>
+        <p:style>
+          <a:lnRef idx="2">
+            <a:schemeClr val="accent1">
+              <a:shade val="50000"/>
+            </a:schemeClr>
+          </a:lnRef>
+          <a:fillRef idx="1">
+            <a:schemeClr val="accent1"/>
+          </a:fillRef>
+          <a:effectRef idx="0">
+            <a:schemeClr val="accent1"/>
+          </a:effectRef>
+          <a:fontRef idx="minor">
+            <a:schemeClr val="lt1"/>
+          </a:fontRef>
+        </p:style>
+        <p:txBody>
+          <a:bodyPr rtlCol="0" anchor="ctr"/>
+          <a:lstStyle/>
+          <a:p>
+            <a:pPr algn="ctr"/>
+            <a:endParaRPr lang="ko-KR" altLang="en-US"/>
+          </a:p>
+        </p:txBody>
+      </p:sp>
+      <p:sp>
+        <p:nvSpPr>
+          <p:cNvPr id="71" name="직사각형 70">
+            <a:extLst>
+              <a:ext uri="{FF2B5EF4-FFF2-40B4-BE49-F238E27FC236}">
+                <a16:creationId xmlns:a16="http://schemas.microsoft.com/office/drawing/2014/main" id="{91966A7D-AE1B-A965-B8B0-3D802FD1F386}"/>
+              </a:ext>
+            </a:extLst>
+          </p:cNvPr>
+          <p:cNvSpPr/>
+          <p:nvPr/>
+        </p:nvSpPr>
+        <p:spPr>
+          <a:xfrm>
+            <a:off x="6265496" y="1785627"/>
+            <a:ext cx="1440149" cy="1643373"/>
+          </a:xfrm>
+          <a:prstGeom prst="rect">
+            <a:avLst/>
+          </a:prstGeom>
+          <a:noFill/>
+          <a:ln>
+            <a:solidFill>
+              <a:srgbClr val="FF0000"/>
+            </a:solidFill>
+          </a:ln>
+        </p:spPr>
+        <p:style>
+          <a:lnRef idx="2">
+            <a:schemeClr val="accent1">
+              <a:shade val="50000"/>
+            </a:schemeClr>
+          </a:lnRef>
+          <a:fillRef idx="1">
+            <a:schemeClr val="accent1"/>
+          </a:fillRef>
+          <a:effectRef idx="0">
+            <a:schemeClr val="accent1"/>
+          </a:effectRef>
+          <a:fontRef idx="minor">
+            <a:schemeClr val="lt1"/>
+          </a:fontRef>
+        </p:style>
+        <p:txBody>
+          <a:bodyPr rtlCol="0" anchor="ctr"/>
+          <a:lstStyle/>
+          <a:p>
+            <a:pPr algn="ctr"/>
+            <a:endParaRPr lang="ko-KR" altLang="en-US"/>
+          </a:p>
+        </p:txBody>
+      </p:sp>
+      <p:sp>
+        <p:nvSpPr>
+          <p:cNvPr id="72" name="직사각형 71">
+            <a:extLst>
+              <a:ext uri="{FF2B5EF4-FFF2-40B4-BE49-F238E27FC236}">
+                <a16:creationId xmlns:a16="http://schemas.microsoft.com/office/drawing/2014/main" id="{8AF1D716-BD50-3695-1CF5-AF9DDB08C19F}"/>
+              </a:ext>
+            </a:extLst>
+          </p:cNvPr>
+          <p:cNvSpPr/>
+          <p:nvPr/>
+        </p:nvSpPr>
+        <p:spPr>
+          <a:xfrm>
+            <a:off x="6213479" y="3568596"/>
+            <a:ext cx="1933246" cy="185965"/>
+          </a:xfrm>
+          <a:prstGeom prst="rect">
+            <a:avLst/>
+          </a:prstGeom>
+          <a:noFill/>
+          <a:ln>
+            <a:solidFill>
+              <a:srgbClr val="FF0000"/>
+            </a:solidFill>
+          </a:ln>
+        </p:spPr>
+        <p:style>
+          <a:lnRef idx="2">
+            <a:schemeClr val="accent1">
+              <a:shade val="50000"/>
+            </a:schemeClr>
+          </a:lnRef>
+          <a:fillRef idx="1">
+            <a:schemeClr val="accent1"/>
+          </a:fillRef>
+          <a:effectRef idx="0">
+            <a:schemeClr val="accent1"/>
+          </a:effectRef>
+          <a:fontRef idx="minor">
+            <a:schemeClr val="lt1"/>
+          </a:fontRef>
+        </p:style>
+        <p:txBody>
+          <a:bodyPr rtlCol="0" anchor="ctr"/>
+          <a:lstStyle/>
+          <a:p>
+            <a:pPr algn="ctr"/>
+            <a:endParaRPr lang="ko-KR" altLang="en-US"/>
+          </a:p>
+        </p:txBody>
+      </p:sp>
+      <p:sp>
+        <p:nvSpPr>
+          <p:cNvPr id="73" name="직사각형 72">
+            <a:extLst>
+              <a:ext uri="{FF2B5EF4-FFF2-40B4-BE49-F238E27FC236}">
+                <a16:creationId xmlns:a16="http://schemas.microsoft.com/office/drawing/2014/main" id="{B5327773-6726-0E30-A60A-D23597A98661}"/>
+              </a:ext>
+            </a:extLst>
+          </p:cNvPr>
+          <p:cNvSpPr/>
+          <p:nvPr/>
+        </p:nvSpPr>
+        <p:spPr>
+          <a:xfrm>
+            <a:off x="6265496" y="4268636"/>
+            <a:ext cx="1990541" cy="580877"/>
+          </a:xfrm>
+          <a:prstGeom prst="rect">
+            <a:avLst/>
+          </a:prstGeom>
+          <a:noFill/>
+          <a:ln>
+            <a:solidFill>
+              <a:srgbClr val="FF0000"/>
+            </a:solidFill>
+          </a:ln>
+        </p:spPr>
+        <p:style>
+          <a:lnRef idx="2">
+            <a:schemeClr val="accent1">
+              <a:shade val="50000"/>
+            </a:schemeClr>
+          </a:lnRef>
+          <a:fillRef idx="1">
+            <a:schemeClr val="accent1"/>
+          </a:fillRef>
+          <a:effectRef idx="0">
+            <a:schemeClr val="accent1"/>
+          </a:effectRef>
+          <a:fontRef idx="minor">
+            <a:schemeClr val="lt1"/>
+          </a:fontRef>
+        </p:style>
+        <p:txBody>
+          <a:bodyPr rtlCol="0" anchor="ctr"/>
+          <a:lstStyle/>
+          <a:p>
+            <a:pPr algn="ctr"/>
+            <a:endParaRPr lang="ko-KR" altLang="en-US"/>
+          </a:p>
+        </p:txBody>
+      </p:sp>
+      <p:sp>
+        <p:nvSpPr>
+          <p:cNvPr id="74" name="TextBox 73">
+            <a:extLst>
+              <a:ext uri="{FF2B5EF4-FFF2-40B4-BE49-F238E27FC236}">
+                <a16:creationId xmlns:a16="http://schemas.microsoft.com/office/drawing/2014/main" id="{A5409989-813A-577D-DFB8-035D831F2A1D}"/>
+              </a:ext>
+            </a:extLst>
+          </p:cNvPr>
+          <p:cNvSpPr txBox="1"/>
+          <p:nvPr/>
+        </p:nvSpPr>
+        <p:spPr>
+          <a:xfrm>
+            <a:off x="10011904" y="693907"/>
+            <a:ext cx="632883" cy="369332"/>
+          </a:xfrm>
+          <a:prstGeom prst="rect">
+            <a:avLst/>
+          </a:prstGeom>
+          <a:noFill/>
+        </p:spPr>
+        <p:txBody>
+          <a:bodyPr wrap="square">
+            <a:spAutoFit/>
+          </a:bodyPr>
+          <a:lstStyle/>
+          <a:p>
+            <a:r>
+              <a:rPr lang="ko-KR" altLang="en-US" b="1" dirty="0">
+                <a:solidFill>
+                  <a:srgbClr val="FF0000"/>
+                </a:solidFill>
+              </a:rPr>
+              <a:t>⑪</a:t>
+            </a:r>
+            <a:endParaRPr lang="ko-KR" altLang="en-US" dirty="0"/>
+          </a:p>
+        </p:txBody>
+      </p:sp>
+      <p:sp>
+        <p:nvSpPr>
+          <p:cNvPr id="75" name="TextBox 74">
+            <a:extLst>
+              <a:ext uri="{FF2B5EF4-FFF2-40B4-BE49-F238E27FC236}">
+                <a16:creationId xmlns:a16="http://schemas.microsoft.com/office/drawing/2014/main" id="{4245A8C5-D834-8BB9-8816-D701F27FEA8A}"/>
+              </a:ext>
+            </a:extLst>
+          </p:cNvPr>
+          <p:cNvSpPr txBox="1"/>
+          <p:nvPr/>
+        </p:nvSpPr>
+        <p:spPr>
+          <a:xfrm>
+            <a:off x="10011904" y="1239767"/>
+            <a:ext cx="447506" cy="369332"/>
+          </a:xfrm>
+          <a:prstGeom prst="rect">
+            <a:avLst/>
+          </a:prstGeom>
+          <a:noFill/>
+        </p:spPr>
+        <p:txBody>
+          <a:bodyPr wrap="square">
+            <a:spAutoFit/>
+          </a:bodyPr>
+          <a:lstStyle/>
+          <a:p>
+            <a:r>
+              <a:rPr lang="ko-KR" altLang="en-US" b="1" dirty="0">
+                <a:solidFill>
+                  <a:srgbClr val="FF0000"/>
+                </a:solidFill>
+              </a:rPr>
+              <a:t>⑫</a:t>
+            </a:r>
+            <a:endParaRPr lang="ko-KR" altLang="en-US" dirty="0"/>
+          </a:p>
+        </p:txBody>
+      </p:sp>
+      <p:sp>
+        <p:nvSpPr>
+          <p:cNvPr id="76" name="TextBox 75">
+            <a:extLst>
+              <a:ext uri="{FF2B5EF4-FFF2-40B4-BE49-F238E27FC236}">
+                <a16:creationId xmlns:a16="http://schemas.microsoft.com/office/drawing/2014/main" id="{87EEAE5F-7EF8-FCC6-3F80-08859302A2AC}"/>
+              </a:ext>
+            </a:extLst>
+          </p:cNvPr>
+          <p:cNvSpPr txBox="1"/>
+          <p:nvPr/>
+        </p:nvSpPr>
+        <p:spPr>
+          <a:xfrm>
+            <a:off x="6244618" y="6061983"/>
+            <a:ext cx="4537628" cy="369332"/>
+          </a:xfrm>
+          <a:prstGeom prst="rect">
+            <a:avLst/>
+          </a:prstGeom>
+          <a:noFill/>
+        </p:spPr>
+        <p:txBody>
+          <a:bodyPr wrap="square">
+            <a:spAutoFit/>
+          </a:bodyPr>
+          <a:lstStyle/>
+          <a:p>
+            <a:r>
+              <a:rPr lang="ko-KR" altLang="en-US" b="1" dirty="0">
+                <a:solidFill>
+                  <a:srgbClr val="FF0000"/>
+                </a:solidFill>
+              </a:rPr>
+              <a:t>⑬</a:t>
+            </a:r>
+            <a:endParaRPr lang="ko-KR" altLang="en-US" dirty="0"/>
+          </a:p>
+        </p:txBody>
+      </p:sp>
+      <p:sp>
+        <p:nvSpPr>
+          <p:cNvPr id="77" name="직사각형 76">
+            <a:extLst>
+              <a:ext uri="{FF2B5EF4-FFF2-40B4-BE49-F238E27FC236}">
+                <a16:creationId xmlns:a16="http://schemas.microsoft.com/office/drawing/2014/main" id="{552ACC76-457E-65E6-FC5A-1395BD97D7C7}"/>
+              </a:ext>
+            </a:extLst>
+          </p:cNvPr>
+          <p:cNvSpPr/>
+          <p:nvPr/>
+        </p:nvSpPr>
+        <p:spPr>
+          <a:xfrm>
+            <a:off x="6279161" y="4908918"/>
+            <a:ext cx="4253372" cy="1441393"/>
+          </a:xfrm>
+          <a:prstGeom prst="rect">
+            <a:avLst/>
+          </a:prstGeom>
+          <a:noFill/>
+          <a:ln>
+            <a:solidFill>
+              <a:srgbClr val="FF0000"/>
+            </a:solidFill>
+          </a:ln>
+        </p:spPr>
+        <p:style>
+          <a:lnRef idx="2">
+            <a:schemeClr val="accent1">
+              <a:shade val="50000"/>
+            </a:schemeClr>
+          </a:lnRef>
+          <a:fillRef idx="1">
+            <a:schemeClr val="accent1"/>
+          </a:fillRef>
+          <a:effectRef idx="0">
+            <a:schemeClr val="accent1"/>
+          </a:effectRef>
+          <a:fontRef idx="minor">
+            <a:schemeClr val="lt1"/>
+          </a:fontRef>
+        </p:style>
+        <p:txBody>
+          <a:bodyPr rtlCol="0" anchor="ctr"/>
+          <a:lstStyle/>
+          <a:p>
+            <a:pPr algn="ctr"/>
+            <a:endParaRPr lang="ko-KR" altLang="en-US"/>
+          </a:p>
+        </p:txBody>
+      </p:sp>
+      <p:sp>
+        <p:nvSpPr>
+          <p:cNvPr id="79" name="직사각형 78">
+            <a:extLst>
+              <a:ext uri="{FF2B5EF4-FFF2-40B4-BE49-F238E27FC236}">
+                <a16:creationId xmlns:a16="http://schemas.microsoft.com/office/drawing/2014/main" id="{07190936-1564-CD00-A9FA-FF8A8A7E7B8B}"/>
+              </a:ext>
+            </a:extLst>
+          </p:cNvPr>
+          <p:cNvSpPr/>
+          <p:nvPr/>
+        </p:nvSpPr>
+        <p:spPr>
+          <a:xfrm>
+            <a:off x="1894930" y="2837879"/>
+            <a:ext cx="1958419" cy="353545"/>
+          </a:xfrm>
+          <a:prstGeom prst="rect">
+            <a:avLst/>
+          </a:prstGeom>
+          <a:noFill/>
+          <a:ln>
+            <a:solidFill>
+              <a:srgbClr val="FF0000"/>
+            </a:solidFill>
+          </a:ln>
+        </p:spPr>
+        <p:style>
+          <a:lnRef idx="2">
+            <a:schemeClr val="accent1">
+              <a:shade val="50000"/>
+            </a:schemeClr>
+          </a:lnRef>
+          <a:fillRef idx="1">
+            <a:schemeClr val="accent1"/>
+          </a:fillRef>
+          <a:effectRef idx="0">
+            <a:schemeClr val="accent1"/>
+          </a:effectRef>
+          <a:fontRef idx="minor">
+            <a:schemeClr val="lt1"/>
+          </a:fontRef>
+        </p:style>
+        <p:txBody>
+          <a:bodyPr rtlCol="0" anchor="ctr"/>
+          <a:lstStyle/>
+          <a:p>
+            <a:pPr algn="ctr"/>
+            <a:endParaRPr lang="ko-KR" altLang="en-US"/>
+          </a:p>
+        </p:txBody>
+      </p:sp>
+      <p:sp>
+        <p:nvSpPr>
+          <p:cNvPr id="80" name="TextBox 79">
+            <a:extLst>
+              <a:ext uri="{FF2B5EF4-FFF2-40B4-BE49-F238E27FC236}">
+                <a16:creationId xmlns:a16="http://schemas.microsoft.com/office/drawing/2014/main" id="{E4BD91DE-2C2D-19E7-2C8C-507BEEF8FF2A}"/>
+              </a:ext>
+            </a:extLst>
+          </p:cNvPr>
+          <p:cNvSpPr txBox="1"/>
+          <p:nvPr/>
+        </p:nvSpPr>
+        <p:spPr>
+          <a:xfrm>
+            <a:off x="7214727" y="767771"/>
+            <a:ext cx="914400" cy="369332"/>
+          </a:xfrm>
+          <a:prstGeom prst="rect">
+            <a:avLst/>
+          </a:prstGeom>
+          <a:noFill/>
+        </p:spPr>
+        <p:txBody>
+          <a:bodyPr wrap="square" rtlCol="0">
+            <a:spAutoFit/>
+          </a:bodyPr>
+          <a:lstStyle/>
+          <a:p>
+            <a:r>
+              <a:rPr lang="ko-KR" altLang="en-US" b="1" dirty="0">
+                <a:solidFill>
+                  <a:srgbClr val="FF0000"/>
+                </a:solidFill>
+              </a:rPr>
+              <a:t>①</a:t>
+            </a:r>
+          </a:p>
+        </p:txBody>
+      </p:sp>
+      <p:sp>
+        <p:nvSpPr>
+          <p:cNvPr id="81" name="TextBox 80">
+            <a:extLst>
+              <a:ext uri="{FF2B5EF4-FFF2-40B4-BE49-F238E27FC236}">
+                <a16:creationId xmlns:a16="http://schemas.microsoft.com/office/drawing/2014/main" id="{9B774863-6B64-2988-A71C-3211C51B0AAA}"/>
+              </a:ext>
+            </a:extLst>
+          </p:cNvPr>
+          <p:cNvSpPr txBox="1"/>
+          <p:nvPr/>
+        </p:nvSpPr>
+        <p:spPr>
+          <a:xfrm>
+            <a:off x="8514753" y="782171"/>
+            <a:ext cx="565549" cy="369332"/>
+          </a:xfrm>
+          <a:prstGeom prst="rect">
+            <a:avLst/>
+          </a:prstGeom>
+          <a:noFill/>
+        </p:spPr>
+        <p:txBody>
+          <a:bodyPr wrap="square">
+            <a:spAutoFit/>
+          </a:bodyPr>
+          <a:lstStyle/>
+          <a:p>
+            <a:r>
+              <a:rPr lang="ko-KR" altLang="en-US" b="1" dirty="0">
+                <a:solidFill>
+                  <a:srgbClr val="FF0000"/>
+                </a:solidFill>
+              </a:rPr>
+              <a:t>⑭</a:t>
+            </a:r>
+            <a:endParaRPr lang="ko-KR" altLang="en-US" dirty="0"/>
+          </a:p>
+        </p:txBody>
+      </p:sp>
+      <p:sp>
+        <p:nvSpPr>
+          <p:cNvPr id="82" name="TextBox 81">
+            <a:extLst>
+              <a:ext uri="{FF2B5EF4-FFF2-40B4-BE49-F238E27FC236}">
+                <a16:creationId xmlns:a16="http://schemas.microsoft.com/office/drawing/2014/main" id="{4376ACA7-15A5-9001-05DB-C30ED182C664}"/>
+              </a:ext>
+            </a:extLst>
+          </p:cNvPr>
+          <p:cNvSpPr txBox="1"/>
+          <p:nvPr/>
+        </p:nvSpPr>
+        <p:spPr>
+          <a:xfrm>
+            <a:off x="6134776" y="1276699"/>
+            <a:ext cx="603050" cy="369332"/>
+          </a:xfrm>
+          <a:prstGeom prst="rect">
+            <a:avLst/>
+          </a:prstGeom>
+          <a:noFill/>
+        </p:spPr>
+        <p:txBody>
+          <a:bodyPr wrap="square">
+            <a:spAutoFit/>
+          </a:bodyPr>
+          <a:lstStyle/>
+          <a:p>
+            <a:r>
+              <a:rPr lang="ko-KR" altLang="en-US" b="1" dirty="0">
+                <a:solidFill>
+                  <a:srgbClr val="FF0000"/>
+                </a:solidFill>
+              </a:rPr>
+              <a:t>⑮</a:t>
+            </a:r>
+            <a:endParaRPr lang="ko-KR" altLang="en-US" dirty="0"/>
+          </a:p>
+        </p:txBody>
+      </p:sp>
+      <p:sp>
+        <p:nvSpPr>
+          <p:cNvPr id="83" name="TextBox 82">
+            <a:extLst>
+              <a:ext uri="{FF2B5EF4-FFF2-40B4-BE49-F238E27FC236}">
+                <a16:creationId xmlns:a16="http://schemas.microsoft.com/office/drawing/2014/main" id="{F7F6FFBA-724F-2611-ACC8-A9AE0B57BFFA}"/>
+              </a:ext>
+            </a:extLst>
+          </p:cNvPr>
+          <p:cNvSpPr txBox="1"/>
+          <p:nvPr/>
+        </p:nvSpPr>
+        <p:spPr>
+          <a:xfrm>
+            <a:off x="3934015" y="693907"/>
+            <a:ext cx="6097464" cy="369332"/>
+          </a:xfrm>
+          <a:prstGeom prst="rect">
+            <a:avLst/>
+          </a:prstGeom>
+          <a:noFill/>
+        </p:spPr>
+        <p:txBody>
+          <a:bodyPr wrap="square">
+            <a:spAutoFit/>
+          </a:bodyPr>
+          <a:lstStyle/>
+          <a:p>
+            <a:r>
+              <a:rPr lang="ko-KR" altLang="en-US" b="1" dirty="0">
+                <a:solidFill>
+                  <a:srgbClr val="FF0000"/>
+                </a:solidFill>
+              </a:rPr>
+              <a:t>⑮</a:t>
+            </a:r>
+            <a:r>
+              <a:rPr lang="en-US" altLang="ko-KR" sz="1400" b="1" dirty="0">
+                <a:solidFill>
+                  <a:srgbClr val="FF0000"/>
+                </a:solidFill>
+              </a:rPr>
+              <a:t>(16)</a:t>
+            </a:r>
+            <a:endParaRPr lang="ko-KR" altLang="en-US" b="1" dirty="0">
+              <a:solidFill>
+                <a:srgbClr val="FF0000"/>
+              </a:solidFill>
+            </a:endParaRPr>
+          </a:p>
+        </p:txBody>
+      </p:sp>
+      <p:sp>
+        <p:nvSpPr>
+          <p:cNvPr id="84" name="TextBox 83">
+            <a:extLst>
+              <a:ext uri="{FF2B5EF4-FFF2-40B4-BE49-F238E27FC236}">
+                <a16:creationId xmlns:a16="http://schemas.microsoft.com/office/drawing/2014/main" id="{097B2F80-3595-4D3E-D8B7-70E3CE943187}"/>
+              </a:ext>
+            </a:extLst>
+          </p:cNvPr>
+          <p:cNvSpPr txBox="1"/>
+          <p:nvPr/>
+        </p:nvSpPr>
+        <p:spPr>
+          <a:xfrm>
+            <a:off x="8617759" y="1239767"/>
+            <a:ext cx="1080921" cy="276999"/>
+          </a:xfrm>
+          <a:prstGeom prst="rect">
+            <a:avLst/>
+          </a:prstGeom>
+          <a:noFill/>
+        </p:spPr>
+        <p:txBody>
+          <a:bodyPr wrap="square">
+            <a:spAutoFit/>
+          </a:bodyPr>
+          <a:lstStyle/>
+          <a:p>
+            <a:r>
+              <a:rPr lang="en-US" altLang="ko-KR" sz="1200" b="1" dirty="0">
+                <a:solidFill>
+                  <a:srgbClr val="FF0000"/>
+                </a:solidFill>
+              </a:rPr>
+              <a:t>(16)</a:t>
+            </a:r>
+            <a:endParaRPr lang="ko-KR" altLang="en-US" sz="1200" dirty="0"/>
+          </a:p>
+        </p:txBody>
+      </p:sp>
+      <p:sp>
+        <p:nvSpPr>
+          <p:cNvPr id="85" name="TextBox 84">
+            <a:extLst>
+              <a:ext uri="{FF2B5EF4-FFF2-40B4-BE49-F238E27FC236}">
+                <a16:creationId xmlns:a16="http://schemas.microsoft.com/office/drawing/2014/main" id="{FB05ACE0-22B3-289E-AE7A-6751DC41E6D0}"/>
+              </a:ext>
+            </a:extLst>
+          </p:cNvPr>
+          <p:cNvSpPr txBox="1"/>
+          <p:nvPr/>
+        </p:nvSpPr>
+        <p:spPr>
+          <a:xfrm>
+            <a:off x="7536838" y="1510754"/>
+            <a:ext cx="1080921" cy="276999"/>
+          </a:xfrm>
+          <a:prstGeom prst="rect">
+            <a:avLst/>
+          </a:prstGeom>
+          <a:noFill/>
+        </p:spPr>
+        <p:txBody>
+          <a:bodyPr wrap="square">
+            <a:spAutoFit/>
+          </a:bodyPr>
+          <a:lstStyle/>
+          <a:p>
+            <a:r>
+              <a:rPr lang="en-US" altLang="ko-KR" sz="1200" b="1" dirty="0">
+                <a:solidFill>
+                  <a:srgbClr val="FF0000"/>
+                </a:solidFill>
+              </a:rPr>
+              <a:t>(17)</a:t>
+            </a:r>
+            <a:endParaRPr lang="ko-KR" altLang="en-US" sz="1200" dirty="0"/>
+          </a:p>
+        </p:txBody>
+      </p:sp>
+    </p:spTree>
+    <p:extLst>
+      <p:ext uri="{BB962C8B-B14F-4D97-AF65-F5344CB8AC3E}">
+        <p14:creationId xmlns:p14="http://schemas.microsoft.com/office/powerpoint/2010/main" val="3436988590"/>
+      </p:ext>
+    </p:extLst>
+  </p:cSld>
+  <p:clrMapOvr>
+    <a:masterClrMapping/>
+  </p:clrMapOvr>
+</p:sld>
+</file>
+
 <file path=ppt/theme/theme1.xml><?xml version="1.0" encoding="utf-8"?>
 <a:theme xmlns:a="http://schemas.openxmlformats.org/drawingml/2006/main" name="Office 테마">
   <a:themeElements>

--- a/AnalysisSW/01.Manual/사용한ppt/analy메뉴.pptx
+++ b/AnalysisSW/01.Manual/사용한ppt/analy메뉴.pptx
@@ -6448,8 +6448,8 @@
         </p:nvSpPr>
         <p:spPr>
           <a:xfrm>
-            <a:off x="9579944" y="1797927"/>
-            <a:ext cx="1556993" cy="3416320"/>
+            <a:off x="9579945" y="1797927"/>
+            <a:ext cx="987132" cy="3416320"/>
           </a:xfrm>
           <a:prstGeom prst="rect">
             <a:avLst/>
@@ -6476,7 +6476,7 @@
                   <a:srgbClr val="FF0000"/>
                 </a:solidFill>
               </a:rPr>
-              <a:t>-1</a:t>
+              <a:t>-1.1</a:t>
             </a:r>
           </a:p>
           <a:p>
@@ -6501,7 +6501,7 @@
                   <a:srgbClr val="FF0000"/>
                 </a:solidFill>
               </a:rPr>
-              <a:t>-2</a:t>
+              <a:t>-1.2</a:t>
             </a:r>
           </a:p>
           <a:p>
@@ -6526,7 +6526,7 @@
                   <a:srgbClr val="FF0000"/>
                 </a:solidFill>
               </a:rPr>
-              <a:t>-3</a:t>
+              <a:t>-2</a:t>
             </a:r>
             <a:endParaRPr lang="ko-KR" altLang="en-US" b="1" dirty="0">
               <a:solidFill>

--- a/AnalysisSW/01.Manual/사용한ppt/analy메뉴.pptx
+++ b/AnalysisSW/01.Manual/사용한ppt/analy메뉴.pptx
@@ -8,6 +8,9 @@
     <p:sldId id="256" r:id="rId2"/>
     <p:sldId id="257" r:id="rId3"/>
     <p:sldId id="259" r:id="rId4"/>
+    <p:sldId id="260" r:id="rId5"/>
+    <p:sldId id="261" r:id="rId6"/>
+    <p:sldId id="262" r:id="rId7"/>
   </p:sldIdLst>
   <p:sldSz cx="12192000" cy="6858000"/>
   <p:notesSz cx="6858000" cy="9144000"/>
@@ -261,7 +264,7 @@
           <a:p>
             <a:fld id="{CC0E6473-7331-49BB-A22F-9F3ADA6997B2}" type="datetimeFigureOut">
               <a:rPr lang="ko-KR" altLang="en-US" smtClean="0"/>
-              <a:t>2022-08-19</a:t>
+              <a:t>2022-10-12</a:t>
             </a:fld>
             <a:endParaRPr lang="ko-KR" altLang="en-US"/>
           </a:p>
@@ -459,7 +462,7 @@
           <a:p>
             <a:fld id="{CC0E6473-7331-49BB-A22F-9F3ADA6997B2}" type="datetimeFigureOut">
               <a:rPr lang="ko-KR" altLang="en-US" smtClean="0"/>
-              <a:t>2022-08-19</a:t>
+              <a:t>2022-10-12</a:t>
             </a:fld>
             <a:endParaRPr lang="ko-KR" altLang="en-US"/>
           </a:p>
@@ -667,7 +670,7 @@
           <a:p>
             <a:fld id="{CC0E6473-7331-49BB-A22F-9F3ADA6997B2}" type="datetimeFigureOut">
               <a:rPr lang="ko-KR" altLang="en-US" smtClean="0"/>
-              <a:t>2022-08-19</a:t>
+              <a:t>2022-10-12</a:t>
             </a:fld>
             <a:endParaRPr lang="ko-KR" altLang="en-US"/>
           </a:p>
@@ -865,7 +868,7 @@
           <a:p>
             <a:fld id="{CC0E6473-7331-49BB-A22F-9F3ADA6997B2}" type="datetimeFigureOut">
               <a:rPr lang="ko-KR" altLang="en-US" smtClean="0"/>
-              <a:t>2022-08-19</a:t>
+              <a:t>2022-10-12</a:t>
             </a:fld>
             <a:endParaRPr lang="ko-KR" altLang="en-US"/>
           </a:p>
@@ -1140,7 +1143,7 @@
           <a:p>
             <a:fld id="{CC0E6473-7331-49BB-A22F-9F3ADA6997B2}" type="datetimeFigureOut">
               <a:rPr lang="ko-KR" altLang="en-US" smtClean="0"/>
-              <a:t>2022-08-19</a:t>
+              <a:t>2022-10-12</a:t>
             </a:fld>
             <a:endParaRPr lang="ko-KR" altLang="en-US"/>
           </a:p>
@@ -1405,7 +1408,7 @@
           <a:p>
             <a:fld id="{CC0E6473-7331-49BB-A22F-9F3ADA6997B2}" type="datetimeFigureOut">
               <a:rPr lang="ko-KR" altLang="en-US" smtClean="0"/>
-              <a:t>2022-08-19</a:t>
+              <a:t>2022-10-12</a:t>
             </a:fld>
             <a:endParaRPr lang="ko-KR" altLang="en-US"/>
           </a:p>
@@ -1817,7 +1820,7 @@
           <a:p>
             <a:fld id="{CC0E6473-7331-49BB-A22F-9F3ADA6997B2}" type="datetimeFigureOut">
               <a:rPr lang="ko-KR" altLang="en-US" smtClean="0"/>
-              <a:t>2022-08-19</a:t>
+              <a:t>2022-10-12</a:t>
             </a:fld>
             <a:endParaRPr lang="ko-KR" altLang="en-US"/>
           </a:p>
@@ -1958,7 +1961,7 @@
           <a:p>
             <a:fld id="{CC0E6473-7331-49BB-A22F-9F3ADA6997B2}" type="datetimeFigureOut">
               <a:rPr lang="ko-KR" altLang="en-US" smtClean="0"/>
-              <a:t>2022-08-19</a:t>
+              <a:t>2022-10-12</a:t>
             </a:fld>
             <a:endParaRPr lang="ko-KR" altLang="en-US"/>
           </a:p>
@@ -2071,7 +2074,7 @@
           <a:p>
             <a:fld id="{CC0E6473-7331-49BB-A22F-9F3ADA6997B2}" type="datetimeFigureOut">
               <a:rPr lang="ko-KR" altLang="en-US" smtClean="0"/>
-              <a:t>2022-08-19</a:t>
+              <a:t>2022-10-12</a:t>
             </a:fld>
             <a:endParaRPr lang="ko-KR" altLang="en-US"/>
           </a:p>
@@ -2382,7 +2385,7 @@
           <a:p>
             <a:fld id="{CC0E6473-7331-49BB-A22F-9F3ADA6997B2}" type="datetimeFigureOut">
               <a:rPr lang="ko-KR" altLang="en-US" smtClean="0"/>
-              <a:t>2022-08-19</a:t>
+              <a:t>2022-10-12</a:t>
             </a:fld>
             <a:endParaRPr lang="ko-KR" altLang="en-US"/>
           </a:p>
@@ -2670,7 +2673,7 @@
           <a:p>
             <a:fld id="{CC0E6473-7331-49BB-A22F-9F3ADA6997B2}" type="datetimeFigureOut">
               <a:rPr lang="ko-KR" altLang="en-US" smtClean="0"/>
-              <a:t>2022-08-19</a:t>
+              <a:t>2022-10-12</a:t>
             </a:fld>
             <a:endParaRPr lang="ko-KR" altLang="en-US"/>
           </a:p>
@@ -2911,7 +2914,7 @@
           <a:p>
             <a:fld id="{CC0E6473-7331-49BB-A22F-9F3ADA6997B2}" type="datetimeFigureOut">
               <a:rPr lang="ko-KR" altLang="en-US" smtClean="0"/>
-              <a:t>2022-08-19</a:t>
+              <a:t>2022-10-12</a:t>
             </a:fld>
             <a:endParaRPr lang="ko-KR" altLang="en-US"/>
           </a:p>
@@ -7565,6 +7568,1517 @@
 </p:sld>
 </file>
 
+<file path=ppt/slides/slide4.xml><?xml version="1.0" encoding="utf-8"?>
+<p:sld xmlns:a="http://schemas.openxmlformats.org/drawingml/2006/main" xmlns:r="http://schemas.openxmlformats.org/officeDocument/2006/relationships" xmlns:p="http://schemas.openxmlformats.org/presentationml/2006/main">
+  <p:cSld>
+    <p:spTree>
+      <p:nvGrpSpPr>
+        <p:cNvPr id="1" name=""/>
+        <p:cNvGrpSpPr/>
+        <p:nvPr/>
+      </p:nvGrpSpPr>
+      <p:grpSpPr>
+        <a:xfrm>
+          <a:off x="0" y="0"/>
+          <a:ext cx="0" cy="0"/>
+          <a:chOff x="0" y="0"/>
+          <a:chExt cx="0" cy="0"/>
+        </a:xfrm>
+      </p:grpSpPr>
+      <p:pic>
+        <p:nvPicPr>
+          <p:cNvPr id="6" name="그림 5">
+            <a:extLst>
+              <a:ext uri="{FF2B5EF4-FFF2-40B4-BE49-F238E27FC236}">
+                <a16:creationId xmlns:a16="http://schemas.microsoft.com/office/drawing/2014/main" id="{89AFA863-2BCC-C095-B78D-24543718CE32}"/>
+              </a:ext>
+            </a:extLst>
+          </p:cNvPr>
+          <p:cNvPicPr>
+            <a:picLocks noChangeAspect="1"/>
+          </p:cNvPicPr>
+          <p:nvPr/>
+        </p:nvPicPr>
+        <p:blipFill>
+          <a:blip r:embed="rId2"/>
+          <a:stretch>
+            <a:fillRect/>
+          </a:stretch>
+        </p:blipFill>
+        <p:spPr>
+          <a:xfrm>
+            <a:off x="2618167" y="504797"/>
+            <a:ext cx="4414517" cy="5756659"/>
+          </a:xfrm>
+          <a:prstGeom prst="rect">
+            <a:avLst/>
+          </a:prstGeom>
+        </p:spPr>
+      </p:pic>
+      <p:sp>
+        <p:nvSpPr>
+          <p:cNvPr id="21" name="TextBox 20">
+            <a:extLst>
+              <a:ext uri="{FF2B5EF4-FFF2-40B4-BE49-F238E27FC236}">
+                <a16:creationId xmlns:a16="http://schemas.microsoft.com/office/drawing/2014/main" id="{B319A13D-ECC7-5EB1-8DD7-8A879AC656CA}"/>
+              </a:ext>
+            </a:extLst>
+          </p:cNvPr>
+          <p:cNvSpPr txBox="1"/>
+          <p:nvPr/>
+        </p:nvSpPr>
+        <p:spPr>
+          <a:xfrm>
+            <a:off x="182033" y="43601"/>
+            <a:ext cx="914400" cy="1754326"/>
+          </a:xfrm>
+          <a:prstGeom prst="rect">
+            <a:avLst/>
+          </a:prstGeom>
+          <a:noFill/>
+        </p:spPr>
+        <p:txBody>
+          <a:bodyPr wrap="square" rtlCol="0">
+            <a:spAutoFit/>
+          </a:bodyPr>
+          <a:lstStyle/>
+          <a:p>
+            <a:r>
+              <a:rPr lang="ko-KR" altLang="en-US" b="1" dirty="0">
+                <a:solidFill>
+                  <a:srgbClr val="FF0000"/>
+                </a:solidFill>
+              </a:rPr>
+              <a:t>①②④⑤⑥⑦③⑧⑨⑩⑪⑫⑬⑭⑮</a:t>
+            </a:r>
+            <a:r>
+              <a:rPr lang="ko-KR" altLang="en-US" b="1" dirty="0" err="1">
+                <a:solidFill>
+                  <a:srgbClr val="FF0000"/>
+                </a:solidFill>
+              </a:rPr>
+              <a:t>ㅇ</a:t>
+            </a:r>
+            <a:endParaRPr lang="ko-KR" altLang="en-US" b="1" dirty="0">
+              <a:solidFill>
+                <a:srgbClr val="FF0000"/>
+              </a:solidFill>
+            </a:endParaRPr>
+          </a:p>
+        </p:txBody>
+      </p:sp>
+      <p:sp>
+        <p:nvSpPr>
+          <p:cNvPr id="62" name="TextBox 61">
+            <a:extLst>
+              <a:ext uri="{FF2B5EF4-FFF2-40B4-BE49-F238E27FC236}">
+                <a16:creationId xmlns:a16="http://schemas.microsoft.com/office/drawing/2014/main" id="{4A5F7EBA-EA7C-2D4F-28F5-2D672B1275E2}"/>
+              </a:ext>
+            </a:extLst>
+          </p:cNvPr>
+          <p:cNvSpPr txBox="1"/>
+          <p:nvPr/>
+        </p:nvSpPr>
+        <p:spPr>
+          <a:xfrm>
+            <a:off x="5986732" y="1643242"/>
+            <a:ext cx="987132" cy="3416320"/>
+          </a:xfrm>
+          <a:prstGeom prst="rect">
+            <a:avLst/>
+          </a:prstGeom>
+          <a:noFill/>
+        </p:spPr>
+        <p:txBody>
+          <a:bodyPr wrap="square" rtlCol="0">
+            <a:spAutoFit/>
+          </a:bodyPr>
+          <a:lstStyle/>
+          <a:p>
+            <a:r>
+              <a:rPr lang="ko-KR" altLang="en-US" b="1" dirty="0">
+                <a:solidFill>
+                  <a:srgbClr val="FF0000"/>
+                </a:solidFill>
+              </a:rPr>
+              <a:t>③</a:t>
+            </a:r>
+            <a:r>
+              <a:rPr lang="en-US" altLang="ko-KR" b="1" dirty="0">
+                <a:solidFill>
+                  <a:srgbClr val="FF0000"/>
+                </a:solidFill>
+              </a:rPr>
+              <a:t>-1.1</a:t>
+            </a:r>
+          </a:p>
+          <a:p>
+            <a:endParaRPr lang="en-US" altLang="ko-KR" b="1" dirty="0">
+              <a:solidFill>
+                <a:srgbClr val="FF0000"/>
+              </a:solidFill>
+            </a:endParaRPr>
+          </a:p>
+          <a:p>
+            <a:r>
+              <a:rPr lang="ko-KR" altLang="en-US" b="1" dirty="0">
+                <a:solidFill>
+                  <a:srgbClr val="FF0000"/>
+                </a:solidFill>
+              </a:rPr>
+              <a:t>③</a:t>
+            </a:r>
+            <a:r>
+              <a:rPr lang="en-US" altLang="ko-KR" b="1" dirty="0">
+                <a:solidFill>
+                  <a:srgbClr val="FF0000"/>
+                </a:solidFill>
+              </a:rPr>
+              <a:t>-1.2</a:t>
+            </a:r>
+          </a:p>
+          <a:p>
+            <a:endParaRPr lang="en-US" altLang="ko-KR" b="1" dirty="0">
+              <a:solidFill>
+                <a:srgbClr val="FF0000"/>
+              </a:solidFill>
+            </a:endParaRPr>
+          </a:p>
+          <a:p>
+            <a:r>
+              <a:rPr lang="ko-KR" altLang="en-US" b="1" dirty="0">
+                <a:solidFill>
+                  <a:srgbClr val="FF0000"/>
+                </a:solidFill>
+              </a:rPr>
+              <a:t>③</a:t>
+            </a:r>
+            <a:r>
+              <a:rPr lang="en-US" altLang="ko-KR" b="1" dirty="0">
+                <a:solidFill>
+                  <a:srgbClr val="FF0000"/>
+                </a:solidFill>
+              </a:rPr>
+              <a:t>-2</a:t>
+            </a:r>
+            <a:endParaRPr lang="ko-KR" altLang="en-US" b="1" dirty="0">
+              <a:solidFill>
+                <a:srgbClr val="FF0000"/>
+              </a:solidFill>
+            </a:endParaRPr>
+          </a:p>
+          <a:p>
+            <a:endParaRPr lang="en-US" altLang="ko-KR" b="1" dirty="0">
+              <a:solidFill>
+                <a:srgbClr val="FF0000"/>
+              </a:solidFill>
+            </a:endParaRPr>
+          </a:p>
+          <a:p>
+            <a:endParaRPr lang="en-US" altLang="ko-KR" b="1" dirty="0">
+              <a:solidFill>
+                <a:srgbClr val="FF0000"/>
+              </a:solidFill>
+            </a:endParaRPr>
+          </a:p>
+          <a:p>
+            <a:endParaRPr lang="en-US" altLang="ko-KR" b="1" dirty="0">
+              <a:solidFill>
+                <a:srgbClr val="FF0000"/>
+              </a:solidFill>
+            </a:endParaRPr>
+          </a:p>
+          <a:p>
+            <a:endParaRPr lang="en-US" altLang="ko-KR" b="1" dirty="0">
+              <a:solidFill>
+                <a:srgbClr val="FF0000"/>
+              </a:solidFill>
+            </a:endParaRPr>
+          </a:p>
+          <a:p>
+            <a:endParaRPr lang="en-US" altLang="ko-KR" b="1" dirty="0">
+              <a:solidFill>
+                <a:srgbClr val="FF0000"/>
+              </a:solidFill>
+            </a:endParaRPr>
+          </a:p>
+          <a:p>
+            <a:endParaRPr lang="en-US" altLang="ko-KR" b="1" dirty="0">
+              <a:solidFill>
+                <a:srgbClr val="FF0000"/>
+              </a:solidFill>
+            </a:endParaRPr>
+          </a:p>
+          <a:p>
+            <a:r>
+              <a:rPr lang="ko-KR" altLang="en-US" b="1" dirty="0">
+                <a:solidFill>
+                  <a:srgbClr val="FF0000"/>
+                </a:solidFill>
+              </a:rPr>
+              <a:t>⑦</a:t>
+            </a:r>
+            <a:endParaRPr lang="ko-KR" altLang="en-US" dirty="0"/>
+          </a:p>
+        </p:txBody>
+      </p:sp>
+      <p:sp>
+        <p:nvSpPr>
+          <p:cNvPr id="63" name="TextBox 62">
+            <a:extLst>
+              <a:ext uri="{FF2B5EF4-FFF2-40B4-BE49-F238E27FC236}">
+                <a16:creationId xmlns:a16="http://schemas.microsoft.com/office/drawing/2014/main" id="{1228F69B-B414-BC0D-615A-2CD386457055}"/>
+              </a:ext>
+            </a:extLst>
+          </p:cNvPr>
+          <p:cNvSpPr txBox="1"/>
+          <p:nvPr/>
+        </p:nvSpPr>
+        <p:spPr>
+          <a:xfrm>
+            <a:off x="3144613" y="2907320"/>
+            <a:ext cx="1011441" cy="369332"/>
+          </a:xfrm>
+          <a:prstGeom prst="rect">
+            <a:avLst/>
+          </a:prstGeom>
+          <a:noFill/>
+        </p:spPr>
+        <p:txBody>
+          <a:bodyPr wrap="square">
+            <a:spAutoFit/>
+          </a:bodyPr>
+          <a:lstStyle/>
+          <a:p>
+            <a:r>
+              <a:rPr lang="ko-KR" altLang="en-US" b="1" dirty="0">
+                <a:solidFill>
+                  <a:srgbClr val="FF0000"/>
+                </a:solidFill>
+              </a:rPr>
+              <a:t>②</a:t>
+            </a:r>
+            <a:endParaRPr lang="ko-KR" altLang="en-US" dirty="0"/>
+          </a:p>
+        </p:txBody>
+      </p:sp>
+      <p:sp>
+        <p:nvSpPr>
+          <p:cNvPr id="64" name="TextBox 63">
+            <a:extLst>
+              <a:ext uri="{FF2B5EF4-FFF2-40B4-BE49-F238E27FC236}">
+                <a16:creationId xmlns:a16="http://schemas.microsoft.com/office/drawing/2014/main" id="{73424739-CB6C-E377-7402-22ED2CF67821}"/>
+              </a:ext>
+            </a:extLst>
+          </p:cNvPr>
+          <p:cNvSpPr txBox="1"/>
+          <p:nvPr/>
+        </p:nvSpPr>
+        <p:spPr>
+          <a:xfrm>
+            <a:off x="2424487" y="3775813"/>
+            <a:ext cx="916335" cy="369332"/>
+          </a:xfrm>
+          <a:prstGeom prst="rect">
+            <a:avLst/>
+          </a:prstGeom>
+          <a:noFill/>
+        </p:spPr>
+        <p:txBody>
+          <a:bodyPr wrap="square">
+            <a:spAutoFit/>
+          </a:bodyPr>
+          <a:lstStyle/>
+          <a:p>
+            <a:r>
+              <a:rPr lang="ko-KR" altLang="en-US" b="1" dirty="0">
+                <a:solidFill>
+                  <a:srgbClr val="FF0000"/>
+                </a:solidFill>
+              </a:rPr>
+              <a:t>⑥</a:t>
+            </a:r>
+            <a:endParaRPr lang="ko-KR" altLang="en-US" dirty="0"/>
+          </a:p>
+        </p:txBody>
+      </p:sp>
+      <p:sp>
+        <p:nvSpPr>
+          <p:cNvPr id="65" name="TextBox 64">
+            <a:extLst>
+              <a:ext uri="{FF2B5EF4-FFF2-40B4-BE49-F238E27FC236}">
+                <a16:creationId xmlns:a16="http://schemas.microsoft.com/office/drawing/2014/main" id="{65B7CDC6-B4EC-41CF-5BBB-9712107E4004}"/>
+              </a:ext>
+            </a:extLst>
+          </p:cNvPr>
+          <p:cNvSpPr txBox="1"/>
+          <p:nvPr/>
+        </p:nvSpPr>
+        <p:spPr>
+          <a:xfrm>
+            <a:off x="4150772" y="3124888"/>
+            <a:ext cx="512052" cy="369332"/>
+          </a:xfrm>
+          <a:prstGeom prst="rect">
+            <a:avLst/>
+          </a:prstGeom>
+          <a:noFill/>
+        </p:spPr>
+        <p:txBody>
+          <a:bodyPr wrap="square">
+            <a:spAutoFit/>
+          </a:bodyPr>
+          <a:lstStyle/>
+          <a:p>
+            <a:r>
+              <a:rPr lang="ko-KR" altLang="en-US" b="1" dirty="0">
+                <a:solidFill>
+                  <a:srgbClr val="FF0000"/>
+                </a:solidFill>
+              </a:rPr>
+              <a:t>⑤</a:t>
+            </a:r>
+            <a:endParaRPr lang="ko-KR" altLang="en-US" dirty="0"/>
+          </a:p>
+        </p:txBody>
+      </p:sp>
+      <p:sp>
+        <p:nvSpPr>
+          <p:cNvPr id="66" name="TextBox 65">
+            <a:extLst>
+              <a:ext uri="{FF2B5EF4-FFF2-40B4-BE49-F238E27FC236}">
+                <a16:creationId xmlns:a16="http://schemas.microsoft.com/office/drawing/2014/main" id="{37680DA8-165F-0821-08BE-9206F609228E}"/>
+              </a:ext>
+            </a:extLst>
+          </p:cNvPr>
+          <p:cNvSpPr txBox="1"/>
+          <p:nvPr/>
+        </p:nvSpPr>
+        <p:spPr>
+          <a:xfrm>
+            <a:off x="6013842" y="4364396"/>
+            <a:ext cx="837478" cy="369332"/>
+          </a:xfrm>
+          <a:prstGeom prst="rect">
+            <a:avLst/>
+          </a:prstGeom>
+          <a:noFill/>
+        </p:spPr>
+        <p:txBody>
+          <a:bodyPr wrap="square">
+            <a:spAutoFit/>
+          </a:bodyPr>
+          <a:lstStyle/>
+          <a:p>
+            <a:r>
+              <a:rPr lang="ko-KR" altLang="en-US" b="1" dirty="0">
+                <a:solidFill>
+                  <a:srgbClr val="FF0000"/>
+                </a:solidFill>
+              </a:rPr>
+              <a:t>⑧</a:t>
+            </a:r>
+            <a:endParaRPr lang="ko-KR" altLang="en-US" dirty="0"/>
+          </a:p>
+        </p:txBody>
+      </p:sp>
+      <p:sp>
+        <p:nvSpPr>
+          <p:cNvPr id="67" name="TextBox 66">
+            <a:extLst>
+              <a:ext uri="{FF2B5EF4-FFF2-40B4-BE49-F238E27FC236}">
+                <a16:creationId xmlns:a16="http://schemas.microsoft.com/office/drawing/2014/main" id="{038543AC-7342-1A2C-AE17-97A07A50CE90}"/>
+              </a:ext>
+            </a:extLst>
+          </p:cNvPr>
+          <p:cNvSpPr txBox="1"/>
+          <p:nvPr/>
+        </p:nvSpPr>
+        <p:spPr>
+          <a:xfrm>
+            <a:off x="5055938" y="4356715"/>
+            <a:ext cx="766046" cy="369332"/>
+          </a:xfrm>
+          <a:prstGeom prst="rect">
+            <a:avLst/>
+          </a:prstGeom>
+          <a:noFill/>
+        </p:spPr>
+        <p:txBody>
+          <a:bodyPr wrap="square">
+            <a:spAutoFit/>
+          </a:bodyPr>
+          <a:lstStyle/>
+          <a:p>
+            <a:r>
+              <a:rPr lang="ko-KR" altLang="en-US" b="1" dirty="0">
+                <a:solidFill>
+                  <a:srgbClr val="FF0000"/>
+                </a:solidFill>
+              </a:rPr>
+              <a:t>④</a:t>
+            </a:r>
+            <a:endParaRPr lang="ko-KR" altLang="en-US" dirty="0"/>
+          </a:p>
+        </p:txBody>
+      </p:sp>
+      <p:sp>
+        <p:nvSpPr>
+          <p:cNvPr id="68" name="TextBox 67">
+            <a:extLst>
+              <a:ext uri="{FF2B5EF4-FFF2-40B4-BE49-F238E27FC236}">
+                <a16:creationId xmlns:a16="http://schemas.microsoft.com/office/drawing/2014/main" id="{C0C651ED-F7EE-04E8-A0F2-07DC409CBB5F}"/>
+              </a:ext>
+            </a:extLst>
+          </p:cNvPr>
+          <p:cNvSpPr txBox="1"/>
+          <p:nvPr/>
+        </p:nvSpPr>
+        <p:spPr>
+          <a:xfrm>
+            <a:off x="2403373" y="3536322"/>
+            <a:ext cx="690215" cy="369332"/>
+          </a:xfrm>
+          <a:prstGeom prst="rect">
+            <a:avLst/>
+          </a:prstGeom>
+          <a:noFill/>
+        </p:spPr>
+        <p:txBody>
+          <a:bodyPr wrap="square">
+            <a:spAutoFit/>
+          </a:bodyPr>
+          <a:lstStyle/>
+          <a:p>
+            <a:r>
+              <a:rPr lang="ko-KR" altLang="en-US" b="1" dirty="0">
+                <a:solidFill>
+                  <a:srgbClr val="FF0000"/>
+                </a:solidFill>
+              </a:rPr>
+              <a:t>⑨</a:t>
+            </a:r>
+            <a:endParaRPr lang="ko-KR" altLang="en-US" dirty="0"/>
+          </a:p>
+        </p:txBody>
+      </p:sp>
+      <p:sp>
+        <p:nvSpPr>
+          <p:cNvPr id="69" name="TextBox 68">
+            <a:extLst>
+              <a:ext uri="{FF2B5EF4-FFF2-40B4-BE49-F238E27FC236}">
+                <a16:creationId xmlns:a16="http://schemas.microsoft.com/office/drawing/2014/main" id="{864501ED-AD1C-0BBF-3407-45AB95D83373}"/>
+              </a:ext>
+            </a:extLst>
+          </p:cNvPr>
+          <p:cNvSpPr txBox="1"/>
+          <p:nvPr/>
+        </p:nvSpPr>
+        <p:spPr>
+          <a:xfrm>
+            <a:off x="2541563" y="4025687"/>
+            <a:ext cx="3280421" cy="369332"/>
+          </a:xfrm>
+          <a:prstGeom prst="rect">
+            <a:avLst/>
+          </a:prstGeom>
+          <a:noFill/>
+        </p:spPr>
+        <p:txBody>
+          <a:bodyPr wrap="square">
+            <a:spAutoFit/>
+          </a:bodyPr>
+          <a:lstStyle/>
+          <a:p>
+            <a:r>
+              <a:rPr lang="ko-KR" altLang="en-US" b="1" dirty="0">
+                <a:solidFill>
+                  <a:srgbClr val="FF0000"/>
+                </a:solidFill>
+              </a:rPr>
+              <a:t>⑩</a:t>
+            </a:r>
+            <a:endParaRPr lang="ko-KR" altLang="en-US" dirty="0"/>
+          </a:p>
+        </p:txBody>
+      </p:sp>
+      <p:sp>
+        <p:nvSpPr>
+          <p:cNvPr id="71" name="직사각형 70">
+            <a:extLst>
+              <a:ext uri="{FF2B5EF4-FFF2-40B4-BE49-F238E27FC236}">
+                <a16:creationId xmlns:a16="http://schemas.microsoft.com/office/drawing/2014/main" id="{91966A7D-AE1B-A965-B8B0-3D802FD1F386}"/>
+              </a:ext>
+            </a:extLst>
+          </p:cNvPr>
+          <p:cNvSpPr/>
+          <p:nvPr/>
+        </p:nvSpPr>
+        <p:spPr>
+          <a:xfrm>
+            <a:off x="2672283" y="1630942"/>
+            <a:ext cx="1440149" cy="1643373"/>
+          </a:xfrm>
+          <a:prstGeom prst="rect">
+            <a:avLst/>
+          </a:prstGeom>
+          <a:noFill/>
+          <a:ln>
+            <a:solidFill>
+              <a:srgbClr val="FF0000"/>
+            </a:solidFill>
+          </a:ln>
+        </p:spPr>
+        <p:style>
+          <a:lnRef idx="2">
+            <a:schemeClr val="accent1">
+              <a:shade val="50000"/>
+            </a:schemeClr>
+          </a:lnRef>
+          <a:fillRef idx="1">
+            <a:schemeClr val="accent1"/>
+          </a:fillRef>
+          <a:effectRef idx="0">
+            <a:schemeClr val="accent1"/>
+          </a:effectRef>
+          <a:fontRef idx="minor">
+            <a:schemeClr val="lt1"/>
+          </a:fontRef>
+        </p:style>
+        <p:txBody>
+          <a:bodyPr rtlCol="0" anchor="ctr"/>
+          <a:lstStyle/>
+          <a:p>
+            <a:pPr algn="ctr"/>
+            <a:endParaRPr lang="ko-KR" altLang="en-US"/>
+          </a:p>
+        </p:txBody>
+      </p:sp>
+      <p:sp>
+        <p:nvSpPr>
+          <p:cNvPr id="72" name="직사각형 71">
+            <a:extLst>
+              <a:ext uri="{FF2B5EF4-FFF2-40B4-BE49-F238E27FC236}">
+                <a16:creationId xmlns:a16="http://schemas.microsoft.com/office/drawing/2014/main" id="{8AF1D716-BD50-3695-1CF5-AF9DDB08C19F}"/>
+              </a:ext>
+            </a:extLst>
+          </p:cNvPr>
+          <p:cNvSpPr/>
+          <p:nvPr/>
+        </p:nvSpPr>
+        <p:spPr>
+          <a:xfrm>
+            <a:off x="2620266" y="3413911"/>
+            <a:ext cx="1933246" cy="185965"/>
+          </a:xfrm>
+          <a:prstGeom prst="rect">
+            <a:avLst/>
+          </a:prstGeom>
+          <a:noFill/>
+          <a:ln>
+            <a:solidFill>
+              <a:srgbClr val="FF0000"/>
+            </a:solidFill>
+          </a:ln>
+        </p:spPr>
+        <p:style>
+          <a:lnRef idx="2">
+            <a:schemeClr val="accent1">
+              <a:shade val="50000"/>
+            </a:schemeClr>
+          </a:lnRef>
+          <a:fillRef idx="1">
+            <a:schemeClr val="accent1"/>
+          </a:fillRef>
+          <a:effectRef idx="0">
+            <a:schemeClr val="accent1"/>
+          </a:effectRef>
+          <a:fontRef idx="minor">
+            <a:schemeClr val="lt1"/>
+          </a:fontRef>
+        </p:style>
+        <p:txBody>
+          <a:bodyPr rtlCol="0" anchor="ctr"/>
+          <a:lstStyle/>
+          <a:p>
+            <a:pPr algn="ctr"/>
+            <a:endParaRPr lang="ko-KR" altLang="en-US"/>
+          </a:p>
+        </p:txBody>
+      </p:sp>
+      <p:sp>
+        <p:nvSpPr>
+          <p:cNvPr id="73" name="직사각형 72">
+            <a:extLst>
+              <a:ext uri="{FF2B5EF4-FFF2-40B4-BE49-F238E27FC236}">
+                <a16:creationId xmlns:a16="http://schemas.microsoft.com/office/drawing/2014/main" id="{B5327773-6726-0E30-A60A-D23597A98661}"/>
+              </a:ext>
+            </a:extLst>
+          </p:cNvPr>
+          <p:cNvSpPr/>
+          <p:nvPr/>
+        </p:nvSpPr>
+        <p:spPr>
+          <a:xfrm>
+            <a:off x="2672283" y="4154952"/>
+            <a:ext cx="1990541" cy="539876"/>
+          </a:xfrm>
+          <a:prstGeom prst="rect">
+            <a:avLst/>
+          </a:prstGeom>
+          <a:noFill/>
+          <a:ln>
+            <a:solidFill>
+              <a:srgbClr val="FF0000"/>
+            </a:solidFill>
+          </a:ln>
+        </p:spPr>
+        <p:style>
+          <a:lnRef idx="2">
+            <a:schemeClr val="accent1">
+              <a:shade val="50000"/>
+            </a:schemeClr>
+          </a:lnRef>
+          <a:fillRef idx="1">
+            <a:schemeClr val="accent1"/>
+          </a:fillRef>
+          <a:effectRef idx="0">
+            <a:schemeClr val="accent1"/>
+          </a:effectRef>
+          <a:fontRef idx="minor">
+            <a:schemeClr val="lt1"/>
+          </a:fontRef>
+        </p:style>
+        <p:txBody>
+          <a:bodyPr rtlCol="0" anchor="ctr"/>
+          <a:lstStyle/>
+          <a:p>
+            <a:pPr algn="ctr"/>
+            <a:endParaRPr lang="ko-KR" altLang="en-US"/>
+          </a:p>
+        </p:txBody>
+      </p:sp>
+      <p:sp>
+        <p:nvSpPr>
+          <p:cNvPr id="74" name="TextBox 73">
+            <a:extLst>
+              <a:ext uri="{FF2B5EF4-FFF2-40B4-BE49-F238E27FC236}">
+                <a16:creationId xmlns:a16="http://schemas.microsoft.com/office/drawing/2014/main" id="{A5409989-813A-577D-DFB8-035D831F2A1D}"/>
+              </a:ext>
+            </a:extLst>
+          </p:cNvPr>
+          <p:cNvSpPr txBox="1"/>
+          <p:nvPr/>
+        </p:nvSpPr>
+        <p:spPr>
+          <a:xfrm>
+            <a:off x="6418691" y="539222"/>
+            <a:ext cx="632883" cy="369332"/>
+          </a:xfrm>
+          <a:prstGeom prst="rect">
+            <a:avLst/>
+          </a:prstGeom>
+          <a:noFill/>
+        </p:spPr>
+        <p:txBody>
+          <a:bodyPr wrap="square">
+            <a:spAutoFit/>
+          </a:bodyPr>
+          <a:lstStyle/>
+          <a:p>
+            <a:r>
+              <a:rPr lang="ko-KR" altLang="en-US" b="1" dirty="0">
+                <a:solidFill>
+                  <a:srgbClr val="FF0000"/>
+                </a:solidFill>
+              </a:rPr>
+              <a:t>⑪</a:t>
+            </a:r>
+            <a:endParaRPr lang="ko-KR" altLang="en-US" dirty="0"/>
+          </a:p>
+        </p:txBody>
+      </p:sp>
+      <p:sp>
+        <p:nvSpPr>
+          <p:cNvPr id="75" name="TextBox 74">
+            <a:extLst>
+              <a:ext uri="{FF2B5EF4-FFF2-40B4-BE49-F238E27FC236}">
+                <a16:creationId xmlns:a16="http://schemas.microsoft.com/office/drawing/2014/main" id="{4245A8C5-D834-8BB9-8816-D701F27FEA8A}"/>
+              </a:ext>
+            </a:extLst>
+          </p:cNvPr>
+          <p:cNvSpPr txBox="1"/>
+          <p:nvPr/>
+        </p:nvSpPr>
+        <p:spPr>
+          <a:xfrm>
+            <a:off x="6418691" y="1085082"/>
+            <a:ext cx="447506" cy="369332"/>
+          </a:xfrm>
+          <a:prstGeom prst="rect">
+            <a:avLst/>
+          </a:prstGeom>
+          <a:noFill/>
+        </p:spPr>
+        <p:txBody>
+          <a:bodyPr wrap="square">
+            <a:spAutoFit/>
+          </a:bodyPr>
+          <a:lstStyle/>
+          <a:p>
+            <a:r>
+              <a:rPr lang="ko-KR" altLang="en-US" b="1" dirty="0">
+                <a:solidFill>
+                  <a:srgbClr val="FF0000"/>
+                </a:solidFill>
+              </a:rPr>
+              <a:t>⑫</a:t>
+            </a:r>
+            <a:endParaRPr lang="ko-KR" altLang="en-US" dirty="0"/>
+          </a:p>
+        </p:txBody>
+      </p:sp>
+      <p:sp>
+        <p:nvSpPr>
+          <p:cNvPr id="76" name="TextBox 75">
+            <a:extLst>
+              <a:ext uri="{FF2B5EF4-FFF2-40B4-BE49-F238E27FC236}">
+                <a16:creationId xmlns:a16="http://schemas.microsoft.com/office/drawing/2014/main" id="{87EEAE5F-7EF8-FCC6-3F80-08859302A2AC}"/>
+              </a:ext>
+            </a:extLst>
+          </p:cNvPr>
+          <p:cNvSpPr txBox="1"/>
+          <p:nvPr/>
+        </p:nvSpPr>
+        <p:spPr>
+          <a:xfrm>
+            <a:off x="2651405" y="5907298"/>
+            <a:ext cx="4537628" cy="369332"/>
+          </a:xfrm>
+          <a:prstGeom prst="rect">
+            <a:avLst/>
+          </a:prstGeom>
+          <a:noFill/>
+        </p:spPr>
+        <p:txBody>
+          <a:bodyPr wrap="square">
+            <a:spAutoFit/>
+          </a:bodyPr>
+          <a:lstStyle/>
+          <a:p>
+            <a:r>
+              <a:rPr lang="ko-KR" altLang="en-US" b="1" dirty="0">
+                <a:solidFill>
+                  <a:srgbClr val="FF0000"/>
+                </a:solidFill>
+              </a:rPr>
+              <a:t>⑬</a:t>
+            </a:r>
+            <a:endParaRPr lang="ko-KR" altLang="en-US" dirty="0"/>
+          </a:p>
+        </p:txBody>
+      </p:sp>
+      <p:sp>
+        <p:nvSpPr>
+          <p:cNvPr id="77" name="직사각형 76">
+            <a:extLst>
+              <a:ext uri="{FF2B5EF4-FFF2-40B4-BE49-F238E27FC236}">
+                <a16:creationId xmlns:a16="http://schemas.microsoft.com/office/drawing/2014/main" id="{552ACC76-457E-65E6-FC5A-1395BD97D7C7}"/>
+              </a:ext>
+            </a:extLst>
+          </p:cNvPr>
+          <p:cNvSpPr/>
+          <p:nvPr/>
+        </p:nvSpPr>
+        <p:spPr>
+          <a:xfrm>
+            <a:off x="2685948" y="4754233"/>
+            <a:ext cx="4253372" cy="1441393"/>
+          </a:xfrm>
+          <a:prstGeom prst="rect">
+            <a:avLst/>
+          </a:prstGeom>
+          <a:noFill/>
+          <a:ln>
+            <a:solidFill>
+              <a:srgbClr val="FF0000"/>
+            </a:solidFill>
+          </a:ln>
+        </p:spPr>
+        <p:style>
+          <a:lnRef idx="2">
+            <a:schemeClr val="accent1">
+              <a:shade val="50000"/>
+            </a:schemeClr>
+          </a:lnRef>
+          <a:fillRef idx="1">
+            <a:schemeClr val="accent1"/>
+          </a:fillRef>
+          <a:effectRef idx="0">
+            <a:schemeClr val="accent1"/>
+          </a:effectRef>
+          <a:fontRef idx="minor">
+            <a:schemeClr val="lt1"/>
+          </a:fontRef>
+        </p:style>
+        <p:txBody>
+          <a:bodyPr rtlCol="0" anchor="ctr"/>
+          <a:lstStyle/>
+          <a:p>
+            <a:pPr algn="ctr"/>
+            <a:endParaRPr lang="ko-KR" altLang="en-US"/>
+          </a:p>
+        </p:txBody>
+      </p:sp>
+      <p:sp>
+        <p:nvSpPr>
+          <p:cNvPr id="80" name="TextBox 79">
+            <a:extLst>
+              <a:ext uri="{FF2B5EF4-FFF2-40B4-BE49-F238E27FC236}">
+                <a16:creationId xmlns:a16="http://schemas.microsoft.com/office/drawing/2014/main" id="{E4BD91DE-2C2D-19E7-2C8C-507BEEF8FF2A}"/>
+              </a:ext>
+            </a:extLst>
+          </p:cNvPr>
+          <p:cNvSpPr txBox="1"/>
+          <p:nvPr/>
+        </p:nvSpPr>
+        <p:spPr>
+          <a:xfrm>
+            <a:off x="3639112" y="594871"/>
+            <a:ext cx="914400" cy="369332"/>
+          </a:xfrm>
+          <a:prstGeom prst="rect">
+            <a:avLst/>
+          </a:prstGeom>
+          <a:noFill/>
+        </p:spPr>
+        <p:txBody>
+          <a:bodyPr wrap="square" rtlCol="0">
+            <a:spAutoFit/>
+          </a:bodyPr>
+          <a:lstStyle/>
+          <a:p>
+            <a:r>
+              <a:rPr lang="ko-KR" altLang="en-US" b="1" dirty="0">
+                <a:solidFill>
+                  <a:srgbClr val="FF0000"/>
+                </a:solidFill>
+              </a:rPr>
+              <a:t>①</a:t>
+            </a:r>
+          </a:p>
+        </p:txBody>
+      </p:sp>
+      <p:sp>
+        <p:nvSpPr>
+          <p:cNvPr id="81" name="TextBox 80">
+            <a:extLst>
+              <a:ext uri="{FF2B5EF4-FFF2-40B4-BE49-F238E27FC236}">
+                <a16:creationId xmlns:a16="http://schemas.microsoft.com/office/drawing/2014/main" id="{9B774863-6B64-2988-A71C-3211C51B0AAA}"/>
+              </a:ext>
+            </a:extLst>
+          </p:cNvPr>
+          <p:cNvSpPr txBox="1"/>
+          <p:nvPr/>
+        </p:nvSpPr>
+        <p:spPr>
+          <a:xfrm>
+            <a:off x="4921540" y="627486"/>
+            <a:ext cx="565549" cy="369332"/>
+          </a:xfrm>
+          <a:prstGeom prst="rect">
+            <a:avLst/>
+          </a:prstGeom>
+          <a:noFill/>
+        </p:spPr>
+        <p:txBody>
+          <a:bodyPr wrap="square">
+            <a:spAutoFit/>
+          </a:bodyPr>
+          <a:lstStyle/>
+          <a:p>
+            <a:r>
+              <a:rPr lang="ko-KR" altLang="en-US" b="1" dirty="0">
+                <a:solidFill>
+                  <a:srgbClr val="FF0000"/>
+                </a:solidFill>
+              </a:rPr>
+              <a:t>⑭</a:t>
+            </a:r>
+            <a:endParaRPr lang="ko-KR" altLang="en-US" dirty="0"/>
+          </a:p>
+        </p:txBody>
+      </p:sp>
+      <p:sp>
+        <p:nvSpPr>
+          <p:cNvPr id="82" name="TextBox 81">
+            <a:extLst>
+              <a:ext uri="{FF2B5EF4-FFF2-40B4-BE49-F238E27FC236}">
+                <a16:creationId xmlns:a16="http://schemas.microsoft.com/office/drawing/2014/main" id="{4376ACA7-15A5-9001-05DB-C30ED182C664}"/>
+              </a:ext>
+            </a:extLst>
+          </p:cNvPr>
+          <p:cNvSpPr txBox="1"/>
+          <p:nvPr/>
+        </p:nvSpPr>
+        <p:spPr>
+          <a:xfrm>
+            <a:off x="2541563" y="1122014"/>
+            <a:ext cx="603050" cy="369332"/>
+          </a:xfrm>
+          <a:prstGeom prst="rect">
+            <a:avLst/>
+          </a:prstGeom>
+          <a:noFill/>
+        </p:spPr>
+        <p:txBody>
+          <a:bodyPr wrap="square">
+            <a:spAutoFit/>
+          </a:bodyPr>
+          <a:lstStyle/>
+          <a:p>
+            <a:r>
+              <a:rPr lang="ko-KR" altLang="en-US" b="1" dirty="0">
+                <a:solidFill>
+                  <a:srgbClr val="FF0000"/>
+                </a:solidFill>
+              </a:rPr>
+              <a:t>⑮</a:t>
+            </a:r>
+            <a:endParaRPr lang="ko-KR" altLang="en-US" dirty="0"/>
+          </a:p>
+        </p:txBody>
+      </p:sp>
+      <p:sp>
+        <p:nvSpPr>
+          <p:cNvPr id="83" name="TextBox 82">
+            <a:extLst>
+              <a:ext uri="{FF2B5EF4-FFF2-40B4-BE49-F238E27FC236}">
+                <a16:creationId xmlns:a16="http://schemas.microsoft.com/office/drawing/2014/main" id="{F7F6FFBA-724F-2611-ACC8-A9AE0B57BFFA}"/>
+              </a:ext>
+            </a:extLst>
+          </p:cNvPr>
+          <p:cNvSpPr txBox="1"/>
+          <p:nvPr/>
+        </p:nvSpPr>
+        <p:spPr>
+          <a:xfrm>
+            <a:off x="1438814" y="1027169"/>
+            <a:ext cx="2006937" cy="369332"/>
+          </a:xfrm>
+          <a:prstGeom prst="rect">
+            <a:avLst/>
+          </a:prstGeom>
+          <a:noFill/>
+        </p:spPr>
+        <p:txBody>
+          <a:bodyPr wrap="square">
+            <a:spAutoFit/>
+          </a:bodyPr>
+          <a:lstStyle/>
+          <a:p>
+            <a:r>
+              <a:rPr lang="ko-KR" altLang="en-US" b="1" dirty="0">
+                <a:solidFill>
+                  <a:srgbClr val="FF0000"/>
+                </a:solidFill>
+              </a:rPr>
+              <a:t>⑮</a:t>
+            </a:r>
+            <a:r>
+              <a:rPr lang="en-US" altLang="ko-KR" sz="1400" b="1" dirty="0">
+                <a:solidFill>
+                  <a:srgbClr val="FF0000"/>
+                </a:solidFill>
+              </a:rPr>
+              <a:t>(16)</a:t>
+            </a:r>
+            <a:endParaRPr lang="ko-KR" altLang="en-US" b="1" dirty="0">
+              <a:solidFill>
+                <a:srgbClr val="FF0000"/>
+              </a:solidFill>
+            </a:endParaRPr>
+          </a:p>
+        </p:txBody>
+      </p:sp>
+      <p:sp>
+        <p:nvSpPr>
+          <p:cNvPr id="84" name="TextBox 83">
+            <a:extLst>
+              <a:ext uri="{FF2B5EF4-FFF2-40B4-BE49-F238E27FC236}">
+                <a16:creationId xmlns:a16="http://schemas.microsoft.com/office/drawing/2014/main" id="{097B2F80-3595-4D3E-D8B7-70E3CE943187}"/>
+              </a:ext>
+            </a:extLst>
+          </p:cNvPr>
+          <p:cNvSpPr txBox="1"/>
+          <p:nvPr/>
+        </p:nvSpPr>
+        <p:spPr>
+          <a:xfrm>
+            <a:off x="5024546" y="1085082"/>
+            <a:ext cx="1080921" cy="276999"/>
+          </a:xfrm>
+          <a:prstGeom prst="rect">
+            <a:avLst/>
+          </a:prstGeom>
+          <a:noFill/>
+        </p:spPr>
+        <p:txBody>
+          <a:bodyPr wrap="square">
+            <a:spAutoFit/>
+          </a:bodyPr>
+          <a:lstStyle/>
+          <a:p>
+            <a:r>
+              <a:rPr lang="en-US" altLang="ko-KR" sz="1200" b="1" dirty="0">
+                <a:solidFill>
+                  <a:srgbClr val="FF0000"/>
+                </a:solidFill>
+              </a:rPr>
+              <a:t>(16)</a:t>
+            </a:r>
+            <a:endParaRPr lang="ko-KR" altLang="en-US" sz="1200" dirty="0"/>
+          </a:p>
+        </p:txBody>
+      </p:sp>
+      <p:sp>
+        <p:nvSpPr>
+          <p:cNvPr id="85" name="TextBox 84">
+            <a:extLst>
+              <a:ext uri="{FF2B5EF4-FFF2-40B4-BE49-F238E27FC236}">
+                <a16:creationId xmlns:a16="http://schemas.microsoft.com/office/drawing/2014/main" id="{FB05ACE0-22B3-289E-AE7A-6751DC41E6D0}"/>
+              </a:ext>
+            </a:extLst>
+          </p:cNvPr>
+          <p:cNvSpPr txBox="1"/>
+          <p:nvPr/>
+        </p:nvSpPr>
+        <p:spPr>
+          <a:xfrm>
+            <a:off x="3943625" y="1356069"/>
+            <a:ext cx="1080921" cy="276999"/>
+          </a:xfrm>
+          <a:prstGeom prst="rect">
+            <a:avLst/>
+          </a:prstGeom>
+          <a:noFill/>
+        </p:spPr>
+        <p:txBody>
+          <a:bodyPr wrap="square">
+            <a:spAutoFit/>
+          </a:bodyPr>
+          <a:lstStyle/>
+          <a:p>
+            <a:r>
+              <a:rPr lang="en-US" altLang="ko-KR" sz="1200" b="1" dirty="0">
+                <a:solidFill>
+                  <a:srgbClr val="FF0000"/>
+                </a:solidFill>
+              </a:rPr>
+              <a:t>(17)</a:t>
+            </a:r>
+            <a:endParaRPr lang="ko-KR" altLang="en-US" sz="1200" dirty="0"/>
+          </a:p>
+        </p:txBody>
+      </p:sp>
+      <p:sp>
+        <p:nvSpPr>
+          <p:cNvPr id="2" name="TextBox 1">
+            <a:extLst>
+              <a:ext uri="{FF2B5EF4-FFF2-40B4-BE49-F238E27FC236}">
+                <a16:creationId xmlns:a16="http://schemas.microsoft.com/office/drawing/2014/main" id="{15F8CBEB-9497-889F-C46D-691B4087EEED}"/>
+              </a:ext>
+            </a:extLst>
+          </p:cNvPr>
+          <p:cNvSpPr txBox="1"/>
+          <p:nvPr/>
+        </p:nvSpPr>
+        <p:spPr>
+          <a:xfrm>
+            <a:off x="1811867" y="389467"/>
+            <a:ext cx="667170" cy="369332"/>
+          </a:xfrm>
+          <a:prstGeom prst="rect">
+            <a:avLst/>
+          </a:prstGeom>
+          <a:noFill/>
+        </p:spPr>
+        <p:txBody>
+          <a:bodyPr wrap="none" rtlCol="0">
+            <a:spAutoFit/>
+          </a:bodyPr>
+          <a:lstStyle/>
+          <a:p>
+            <a:r>
+              <a:rPr lang="en-US" altLang="ko-KR" dirty="0"/>
+              <a:t>4.0.7</a:t>
+            </a:r>
+            <a:endParaRPr lang="ko-KR" altLang="en-US" dirty="0"/>
+          </a:p>
+        </p:txBody>
+      </p:sp>
+      <p:sp>
+        <p:nvSpPr>
+          <p:cNvPr id="7" name="TextBox 6">
+            <a:extLst>
+              <a:ext uri="{FF2B5EF4-FFF2-40B4-BE49-F238E27FC236}">
+                <a16:creationId xmlns:a16="http://schemas.microsoft.com/office/drawing/2014/main" id="{4C98AE00-8B22-A59C-096D-2E40EF2CB4A4}"/>
+              </a:ext>
+            </a:extLst>
+          </p:cNvPr>
+          <p:cNvSpPr txBox="1"/>
+          <p:nvPr/>
+        </p:nvSpPr>
+        <p:spPr>
+          <a:xfrm>
+            <a:off x="3793708" y="3633529"/>
+            <a:ext cx="1080921" cy="276999"/>
+          </a:xfrm>
+          <a:prstGeom prst="rect">
+            <a:avLst/>
+          </a:prstGeom>
+          <a:noFill/>
+        </p:spPr>
+        <p:txBody>
+          <a:bodyPr wrap="square">
+            <a:spAutoFit/>
+          </a:bodyPr>
+          <a:lstStyle/>
+          <a:p>
+            <a:r>
+              <a:rPr lang="en-US" altLang="ko-KR" sz="1200" b="1" dirty="0">
+                <a:solidFill>
+                  <a:srgbClr val="FF0000"/>
+                </a:solidFill>
+              </a:rPr>
+              <a:t>(18)</a:t>
+            </a:r>
+            <a:endParaRPr lang="ko-KR" altLang="en-US" sz="1200" dirty="0"/>
+          </a:p>
+        </p:txBody>
+      </p:sp>
+      <p:sp>
+        <p:nvSpPr>
+          <p:cNvPr id="8" name="TextBox 7">
+            <a:extLst>
+              <a:ext uri="{FF2B5EF4-FFF2-40B4-BE49-F238E27FC236}">
+                <a16:creationId xmlns:a16="http://schemas.microsoft.com/office/drawing/2014/main" id="{346291E5-A75A-1FC4-ED6F-3011E65D6183}"/>
+              </a:ext>
+            </a:extLst>
+          </p:cNvPr>
+          <p:cNvSpPr txBox="1"/>
+          <p:nvPr/>
+        </p:nvSpPr>
+        <p:spPr>
+          <a:xfrm>
+            <a:off x="5313451" y="3877953"/>
+            <a:ext cx="1080921" cy="276999"/>
+          </a:xfrm>
+          <a:prstGeom prst="rect">
+            <a:avLst/>
+          </a:prstGeom>
+          <a:noFill/>
+        </p:spPr>
+        <p:txBody>
+          <a:bodyPr wrap="square">
+            <a:spAutoFit/>
+          </a:bodyPr>
+          <a:lstStyle/>
+          <a:p>
+            <a:r>
+              <a:rPr lang="en-US" altLang="ko-KR" sz="1200" b="1" dirty="0">
+                <a:solidFill>
+                  <a:srgbClr val="FF0000"/>
+                </a:solidFill>
+              </a:rPr>
+              <a:t>(19)</a:t>
+            </a:r>
+            <a:endParaRPr lang="ko-KR" altLang="en-US" sz="1200" dirty="0"/>
+          </a:p>
+        </p:txBody>
+      </p:sp>
+    </p:spTree>
+    <p:extLst>
+      <p:ext uri="{BB962C8B-B14F-4D97-AF65-F5344CB8AC3E}">
+        <p14:creationId xmlns:p14="http://schemas.microsoft.com/office/powerpoint/2010/main" val="2464125579"/>
+      </p:ext>
+    </p:extLst>
+  </p:cSld>
+  <p:clrMapOvr>
+    <a:masterClrMapping/>
+  </p:clrMapOvr>
+</p:sld>
+</file>
+
+<file path=ppt/slides/slide5.xml><?xml version="1.0" encoding="utf-8"?>
+<p:sld xmlns:a="http://schemas.openxmlformats.org/drawingml/2006/main" xmlns:r="http://schemas.openxmlformats.org/officeDocument/2006/relationships" xmlns:p="http://schemas.openxmlformats.org/presentationml/2006/main">
+  <p:cSld>
+    <p:spTree>
+      <p:nvGrpSpPr>
+        <p:cNvPr id="1" name=""/>
+        <p:cNvGrpSpPr/>
+        <p:nvPr/>
+      </p:nvGrpSpPr>
+      <p:grpSpPr>
+        <a:xfrm>
+          <a:off x="0" y="0"/>
+          <a:ext cx="0" cy="0"/>
+          <a:chOff x="0" y="0"/>
+          <a:chExt cx="0" cy="0"/>
+        </a:xfrm>
+      </p:grpSpPr>
+      <p:pic>
+        <p:nvPicPr>
+          <p:cNvPr id="5" name="그림 4">
+            <a:extLst>
+              <a:ext uri="{FF2B5EF4-FFF2-40B4-BE49-F238E27FC236}">
+                <a16:creationId xmlns:a16="http://schemas.microsoft.com/office/drawing/2014/main" id="{F0F12AFE-3A6D-0338-A8AE-D8FC1A7F3444}"/>
+              </a:ext>
+            </a:extLst>
+          </p:cNvPr>
+          <p:cNvPicPr>
+            <a:picLocks noChangeAspect="1"/>
+          </p:cNvPicPr>
+          <p:nvPr/>
+        </p:nvPicPr>
+        <p:blipFill>
+          <a:blip r:embed="rId2"/>
+          <a:stretch>
+            <a:fillRect/>
+          </a:stretch>
+        </p:blipFill>
+        <p:spPr>
+          <a:xfrm>
+            <a:off x="338751" y="491066"/>
+            <a:ext cx="9761981" cy="4531649"/>
+          </a:xfrm>
+          <a:prstGeom prst="rect">
+            <a:avLst/>
+          </a:prstGeom>
+          <a:ln>
+            <a:solidFill>
+              <a:schemeClr val="accent1"/>
+            </a:solidFill>
+          </a:ln>
+        </p:spPr>
+      </p:pic>
+      <p:sp>
+        <p:nvSpPr>
+          <p:cNvPr id="6" name="TextBox 5">
+            <a:extLst>
+              <a:ext uri="{FF2B5EF4-FFF2-40B4-BE49-F238E27FC236}">
+                <a16:creationId xmlns:a16="http://schemas.microsoft.com/office/drawing/2014/main" id="{06602B03-9D0F-E004-6D1C-3942B42F607E}"/>
+              </a:ext>
+            </a:extLst>
+          </p:cNvPr>
+          <p:cNvSpPr txBox="1"/>
+          <p:nvPr/>
+        </p:nvSpPr>
+        <p:spPr>
+          <a:xfrm>
+            <a:off x="3479800" y="618067"/>
+            <a:ext cx="5564344" cy="369332"/>
+          </a:xfrm>
+          <a:prstGeom prst="rect">
+            <a:avLst/>
+          </a:prstGeom>
+          <a:noFill/>
+        </p:spPr>
+        <p:txBody>
+          <a:bodyPr wrap="none" rtlCol="0">
+            <a:spAutoFit/>
+          </a:bodyPr>
+          <a:lstStyle/>
+          <a:p>
+            <a:r>
+              <a:rPr lang="ko-KR" altLang="en-US" dirty="0">
+                <a:highlight>
+                  <a:srgbClr val="00FFFF"/>
+                </a:highlight>
+              </a:rPr>
+              <a:t>상</a:t>
+            </a:r>
+            <a:r>
+              <a:rPr lang="en-US" altLang="ko-KR" dirty="0">
+                <a:highlight>
+                  <a:srgbClr val="00FFFF"/>
+                </a:highlight>
+              </a:rPr>
+              <a:t>/</a:t>
+            </a:r>
+            <a:r>
+              <a:rPr lang="ko-KR" altLang="en-US" dirty="0">
+                <a:highlight>
+                  <a:srgbClr val="00FFFF"/>
+                </a:highlight>
+              </a:rPr>
+              <a:t>하 </a:t>
+            </a:r>
+            <a:r>
+              <a:rPr lang="en-US" altLang="ko-KR" dirty="0">
+                <a:highlight>
+                  <a:srgbClr val="00FFFF"/>
+                </a:highlight>
+              </a:rPr>
+              <a:t>Cut </a:t>
+            </a:r>
+            <a:r>
+              <a:rPr lang="ko-KR" altLang="en-US" dirty="0">
+                <a:highlight>
+                  <a:srgbClr val="00FFFF"/>
+                </a:highlight>
+              </a:rPr>
+              <a:t>변경하면 </a:t>
+            </a:r>
+            <a:r>
+              <a:rPr lang="en-US" altLang="ko-KR" dirty="0">
+                <a:highlight>
+                  <a:srgbClr val="00FFFF"/>
+                </a:highlight>
+              </a:rPr>
+              <a:t>Filer</a:t>
+            </a:r>
+            <a:r>
+              <a:rPr lang="ko-KR" altLang="en-US" dirty="0">
+                <a:highlight>
+                  <a:srgbClr val="00FFFF"/>
+                </a:highlight>
+              </a:rPr>
+              <a:t>가 변경되고 아래 그림 변경</a:t>
+            </a:r>
+          </a:p>
+        </p:txBody>
+      </p:sp>
+    </p:spTree>
+    <p:extLst>
+      <p:ext uri="{BB962C8B-B14F-4D97-AF65-F5344CB8AC3E}">
+        <p14:creationId xmlns:p14="http://schemas.microsoft.com/office/powerpoint/2010/main" val="3957223063"/>
+      </p:ext>
+    </p:extLst>
+  </p:cSld>
+  <p:clrMapOvr>
+    <a:masterClrMapping/>
+  </p:clrMapOvr>
+</p:sld>
+</file>
+
+<file path=ppt/slides/slide6.xml><?xml version="1.0" encoding="utf-8"?>
+<p:sld xmlns:a="http://schemas.openxmlformats.org/drawingml/2006/main" xmlns:r="http://schemas.openxmlformats.org/officeDocument/2006/relationships" xmlns:p="http://schemas.openxmlformats.org/presentationml/2006/main">
+  <p:cSld>
+    <p:spTree>
+      <p:nvGrpSpPr>
+        <p:cNvPr id="1" name=""/>
+        <p:cNvGrpSpPr/>
+        <p:nvPr/>
+      </p:nvGrpSpPr>
+      <p:grpSpPr>
+        <a:xfrm>
+          <a:off x="0" y="0"/>
+          <a:ext cx="0" cy="0"/>
+          <a:chOff x="0" y="0"/>
+          <a:chExt cx="0" cy="0"/>
+        </a:xfrm>
+      </p:grpSpPr>
+      <p:pic>
+        <p:nvPicPr>
+          <p:cNvPr id="5" name="그림 4">
+            <a:extLst>
+              <a:ext uri="{FF2B5EF4-FFF2-40B4-BE49-F238E27FC236}">
+                <a16:creationId xmlns:a16="http://schemas.microsoft.com/office/drawing/2014/main" id="{A709FD3D-649C-D51B-0911-D33EB4DDAA21}"/>
+              </a:ext>
+            </a:extLst>
+          </p:cNvPr>
+          <p:cNvPicPr>
+            <a:picLocks noChangeAspect="1"/>
+          </p:cNvPicPr>
+          <p:nvPr/>
+        </p:nvPicPr>
+        <p:blipFill>
+          <a:blip r:embed="rId2"/>
+          <a:stretch>
+            <a:fillRect/>
+          </a:stretch>
+        </p:blipFill>
+        <p:spPr>
+          <a:xfrm>
+            <a:off x="261937" y="438150"/>
+            <a:ext cx="11668125" cy="5981700"/>
+          </a:xfrm>
+          <a:prstGeom prst="rect">
+            <a:avLst/>
+          </a:prstGeom>
+          <a:ln>
+            <a:solidFill>
+              <a:schemeClr val="accent1"/>
+            </a:solidFill>
+          </a:ln>
+        </p:spPr>
+      </p:pic>
+      <p:sp>
+        <p:nvSpPr>
+          <p:cNvPr id="6" name="TextBox 5">
+            <a:extLst>
+              <a:ext uri="{FF2B5EF4-FFF2-40B4-BE49-F238E27FC236}">
+                <a16:creationId xmlns:a16="http://schemas.microsoft.com/office/drawing/2014/main" id="{2223107D-1E9C-912D-306D-86524679655C}"/>
+              </a:ext>
+            </a:extLst>
+          </p:cNvPr>
+          <p:cNvSpPr txBox="1"/>
+          <p:nvPr/>
+        </p:nvSpPr>
+        <p:spPr>
+          <a:xfrm>
+            <a:off x="6456265" y="2073643"/>
+            <a:ext cx="4748416" cy="369332"/>
+          </a:xfrm>
+          <a:prstGeom prst="rect">
+            <a:avLst/>
+          </a:prstGeom>
+          <a:noFill/>
+        </p:spPr>
+        <p:txBody>
+          <a:bodyPr wrap="none" rtlCol="0">
+            <a:spAutoFit/>
+          </a:bodyPr>
+          <a:lstStyle/>
+          <a:p>
+            <a:r>
+              <a:rPr lang="ko-KR" altLang="en-US" dirty="0">
+                <a:highlight>
+                  <a:srgbClr val="00FFFF"/>
+                </a:highlight>
+              </a:rPr>
+              <a:t>색조가 표시되어 </a:t>
+            </a:r>
+            <a:r>
+              <a:rPr lang="ko-KR" altLang="en-US">
+                <a:highlight>
+                  <a:srgbClr val="00FFFF"/>
+                </a:highlight>
+              </a:rPr>
+              <a:t>시작적으로 분포 확인 가능</a:t>
+            </a:r>
+            <a:endParaRPr lang="ko-KR" altLang="en-US" dirty="0">
+              <a:highlight>
+                <a:srgbClr val="00FFFF"/>
+              </a:highlight>
+            </a:endParaRPr>
+          </a:p>
+        </p:txBody>
+      </p:sp>
+    </p:spTree>
+    <p:extLst>
+      <p:ext uri="{BB962C8B-B14F-4D97-AF65-F5344CB8AC3E}">
+        <p14:creationId xmlns:p14="http://schemas.microsoft.com/office/powerpoint/2010/main" val="2974785100"/>
+      </p:ext>
+    </p:extLst>
+  </p:cSld>
+  <p:clrMapOvr>
+    <a:masterClrMapping/>
+  </p:clrMapOvr>
+</p:sld>
+</file>
+
 <file path=ppt/theme/theme1.xml><?xml version="1.0" encoding="utf-8"?>
 <a:theme xmlns:a="http://schemas.openxmlformats.org/drawingml/2006/main" name="Office 테마">
   <a:themeElements>

--- a/AnalysisSW/01.Manual/사용한ppt/analy메뉴.pptx
+++ b/AnalysisSW/01.Manual/사용한ppt/analy메뉴.pptx
@@ -264,7 +264,7 @@
           <a:p>
             <a:fld id="{CC0E6473-7331-49BB-A22F-9F3ADA6997B2}" type="datetimeFigureOut">
               <a:rPr lang="ko-KR" altLang="en-US" smtClean="0"/>
-              <a:t>2022-10-12</a:t>
+              <a:t>2022-10-13</a:t>
             </a:fld>
             <a:endParaRPr lang="ko-KR" altLang="en-US"/>
           </a:p>
@@ -462,7 +462,7 @@
           <a:p>
             <a:fld id="{CC0E6473-7331-49BB-A22F-9F3ADA6997B2}" type="datetimeFigureOut">
               <a:rPr lang="ko-KR" altLang="en-US" smtClean="0"/>
-              <a:t>2022-10-12</a:t>
+              <a:t>2022-10-13</a:t>
             </a:fld>
             <a:endParaRPr lang="ko-KR" altLang="en-US"/>
           </a:p>
@@ -670,7 +670,7 @@
           <a:p>
             <a:fld id="{CC0E6473-7331-49BB-A22F-9F3ADA6997B2}" type="datetimeFigureOut">
               <a:rPr lang="ko-KR" altLang="en-US" smtClean="0"/>
-              <a:t>2022-10-12</a:t>
+              <a:t>2022-10-13</a:t>
             </a:fld>
             <a:endParaRPr lang="ko-KR" altLang="en-US"/>
           </a:p>
@@ -868,7 +868,7 @@
           <a:p>
             <a:fld id="{CC0E6473-7331-49BB-A22F-9F3ADA6997B2}" type="datetimeFigureOut">
               <a:rPr lang="ko-KR" altLang="en-US" smtClean="0"/>
-              <a:t>2022-10-12</a:t>
+              <a:t>2022-10-13</a:t>
             </a:fld>
             <a:endParaRPr lang="ko-KR" altLang="en-US"/>
           </a:p>
@@ -1143,7 +1143,7 @@
           <a:p>
             <a:fld id="{CC0E6473-7331-49BB-A22F-9F3ADA6997B2}" type="datetimeFigureOut">
               <a:rPr lang="ko-KR" altLang="en-US" smtClean="0"/>
-              <a:t>2022-10-12</a:t>
+              <a:t>2022-10-13</a:t>
             </a:fld>
             <a:endParaRPr lang="ko-KR" altLang="en-US"/>
           </a:p>
@@ -1408,7 +1408,7 @@
           <a:p>
             <a:fld id="{CC0E6473-7331-49BB-A22F-9F3ADA6997B2}" type="datetimeFigureOut">
               <a:rPr lang="ko-KR" altLang="en-US" smtClean="0"/>
-              <a:t>2022-10-12</a:t>
+              <a:t>2022-10-13</a:t>
             </a:fld>
             <a:endParaRPr lang="ko-KR" altLang="en-US"/>
           </a:p>
@@ -1820,7 +1820,7 @@
           <a:p>
             <a:fld id="{CC0E6473-7331-49BB-A22F-9F3ADA6997B2}" type="datetimeFigureOut">
               <a:rPr lang="ko-KR" altLang="en-US" smtClean="0"/>
-              <a:t>2022-10-12</a:t>
+              <a:t>2022-10-13</a:t>
             </a:fld>
             <a:endParaRPr lang="ko-KR" altLang="en-US"/>
           </a:p>
@@ -1961,7 +1961,7 @@
           <a:p>
             <a:fld id="{CC0E6473-7331-49BB-A22F-9F3ADA6997B2}" type="datetimeFigureOut">
               <a:rPr lang="ko-KR" altLang="en-US" smtClean="0"/>
-              <a:t>2022-10-12</a:t>
+              <a:t>2022-10-13</a:t>
             </a:fld>
             <a:endParaRPr lang="ko-KR" altLang="en-US"/>
           </a:p>
@@ -2074,7 +2074,7 @@
           <a:p>
             <a:fld id="{CC0E6473-7331-49BB-A22F-9F3ADA6997B2}" type="datetimeFigureOut">
               <a:rPr lang="ko-KR" altLang="en-US" smtClean="0"/>
-              <a:t>2022-10-12</a:t>
+              <a:t>2022-10-13</a:t>
             </a:fld>
             <a:endParaRPr lang="ko-KR" altLang="en-US"/>
           </a:p>
@@ -2385,7 +2385,7 @@
           <a:p>
             <a:fld id="{CC0E6473-7331-49BB-A22F-9F3ADA6997B2}" type="datetimeFigureOut">
               <a:rPr lang="ko-KR" altLang="en-US" smtClean="0"/>
-              <a:t>2022-10-12</a:t>
+              <a:t>2022-10-13</a:t>
             </a:fld>
             <a:endParaRPr lang="ko-KR" altLang="en-US"/>
           </a:p>
@@ -2673,7 +2673,7 @@
           <a:p>
             <a:fld id="{CC0E6473-7331-49BB-A22F-9F3ADA6997B2}" type="datetimeFigureOut">
               <a:rPr lang="ko-KR" altLang="en-US" smtClean="0"/>
-              <a:t>2022-10-12</a:t>
+              <a:t>2022-10-13</a:t>
             </a:fld>
             <a:endParaRPr lang="ko-KR" altLang="en-US"/>
           </a:p>
@@ -2914,7 +2914,7 @@
           <a:p>
             <a:fld id="{CC0E6473-7331-49BB-A22F-9F3ADA6997B2}" type="datetimeFigureOut">
               <a:rPr lang="ko-KR" altLang="en-US" smtClean="0"/>
-              <a:t>2022-10-12</a:t>
+              <a:t>2022-10-13</a:t>
             </a:fld>
             <a:endParaRPr lang="ko-KR" altLang="en-US"/>
           </a:p>
@@ -9048,21 +9048,8 @@
                   <a:srgbClr val="00FFFF"/>
                 </a:highlight>
               </a:rPr>
-              <a:t>색조가 표시되어 </a:t>
-            </a:r>
-            <a:r>
-              <a:rPr lang="ko-KR" altLang="en-US">
-                <a:highlight>
-                  <a:srgbClr val="00FFFF"/>
-                </a:highlight>
-              </a:rPr>
-              <a:t>시작적으로 분포 확인 가능</a:t>
-            </a:r>
-            <a:endParaRPr lang="ko-KR" altLang="en-US" dirty="0">
-              <a:highlight>
-                <a:srgbClr val="00FFFF"/>
-              </a:highlight>
-            </a:endParaRPr>
+              <a:t>색조가 표시되어 시각적으로 분포 확인 가능</a:t>
+            </a:r>
           </a:p>
         </p:txBody>
       </p:sp>
